--- a/宣道詩/(宣道詩141) 懇求救主格外垂憐.pptx
+++ b/宣道詩/(宣道詩141) 懇求救主格外垂憐.pptx
@@ -5,20 +5,25 @@
     <p:sldMasterId id="2147483660" r:id="rId1"/>
   </p:sldMasterIdLst>
   <p:notesMasterIdLst>
-    <p:notesMasterId r:id="rId10"/>
+    <p:notesMasterId r:id="rId15"/>
   </p:notesMasterIdLst>
   <p:handoutMasterIdLst>
-    <p:handoutMasterId r:id="rId11"/>
+    <p:handoutMasterId r:id="rId16"/>
   </p:handoutMasterIdLst>
   <p:sldIdLst>
-    <p:sldId id="1604" r:id="rId2"/>
-    <p:sldId id="1605" r:id="rId3"/>
-    <p:sldId id="1606" r:id="rId4"/>
-    <p:sldId id="1607" r:id="rId5"/>
-    <p:sldId id="1608" r:id="rId6"/>
-    <p:sldId id="1609" r:id="rId7"/>
-    <p:sldId id="1610" r:id="rId8"/>
-    <p:sldId id="1611" r:id="rId9"/>
+    <p:sldId id="1612" r:id="rId2"/>
+    <p:sldId id="1613" r:id="rId3"/>
+    <p:sldId id="1614" r:id="rId4"/>
+    <p:sldId id="1615" r:id="rId5"/>
+    <p:sldId id="1616" r:id="rId6"/>
+    <p:sldId id="1617" r:id="rId7"/>
+    <p:sldId id="1618" r:id="rId8"/>
+    <p:sldId id="1619" r:id="rId9"/>
+    <p:sldId id="1620" r:id="rId10"/>
+    <p:sldId id="1621" r:id="rId11"/>
+    <p:sldId id="1622" r:id="rId12"/>
+    <p:sldId id="1623" r:id="rId13"/>
+    <p:sldId id="1624" r:id="rId14"/>
   </p:sldIdLst>
   <p:sldSz cx="12192000" cy="6858000"/>
   <p:notesSz cx="6858000" cy="9144000"/>
@@ -3724,7 +3729,7 @@
       </p:grpSpPr>
       <p:sp>
         <p:nvSpPr>
-          <p:cNvPr id="4" name="Title 3"/>
+          <p:cNvPr id="4" name="標題 3"/>
           <p:cNvSpPr>
             <a:spLocks noGrp="1"/>
           </p:cNvSpPr>
@@ -3732,158 +3737,118 @@
             <p:ph type="title"/>
           </p:nvPr>
         </p:nvSpPr>
-        <p:spPr/>
+        <p:spPr>
+          <a:xfrm>
+            <a:off x="0" y="2660915"/>
+            <a:ext cx="12192000" cy="1143000"/>
+          </a:xfrm>
+        </p:spPr>
         <p:txBody>
           <a:bodyPr>
-            <a:normAutofit/>
+            <a:noAutofit/>
           </a:bodyPr>
           <a:lstStyle/>
           <a:p>
             <a:r>
-              <a:rPr lang="en-US" altLang="zh-TW" sz="4800" b="1" dirty="0">
-                <a:solidFill>
-                  <a:srgbClr val="002060"/>
-                </a:solidFill>
-                <a:latin typeface="Microsoft JhengHei" panose="020B0604030504040204" pitchFamily="34" charset="-120"/>
-                <a:ea typeface="Microsoft JhengHei" panose="020B0604030504040204" pitchFamily="34" charset="-120"/>
-              </a:rPr>
-              <a:t>【</a:t>
-            </a:r>
-            <a:r>
-              <a:rPr lang="zh-TW" altLang="en-US" sz="4800" b="1" dirty="0">
-                <a:solidFill>
-                  <a:srgbClr val="002060"/>
-                </a:solidFill>
-                <a:latin typeface="Microsoft JhengHei" panose="020B0604030504040204" pitchFamily="34" charset="-120"/>
-                <a:ea typeface="Microsoft JhengHei" panose="020B0604030504040204" pitchFamily="34" charset="-120"/>
-              </a:rPr>
-              <a:t>懇求救主格外垂憐</a:t>
-            </a:r>
-            <a:r>
-              <a:rPr lang="en-US" altLang="zh-TW" sz="4800" b="1" dirty="0">
-                <a:solidFill>
-                  <a:srgbClr val="002060"/>
-                </a:solidFill>
-                <a:latin typeface="Microsoft JhengHei" panose="020B0604030504040204" pitchFamily="34" charset="-120"/>
-                <a:ea typeface="Microsoft JhengHei" panose="020B0604030504040204" pitchFamily="34" charset="-120"/>
-              </a:rPr>
-              <a:t>】</a:t>
-            </a:r>
-          </a:p>
-        </p:txBody>
-      </p:sp>
-      <p:sp>
-        <p:nvSpPr>
-          <p:cNvPr id="5" name="Content Placeholder 4"/>
-          <p:cNvSpPr>
-            <a:spLocks noGrp="1"/>
-          </p:cNvSpPr>
-          <p:nvPr>
-            <p:ph idx="1"/>
-          </p:nvPr>
-        </p:nvSpPr>
-        <p:spPr/>
-        <p:txBody>
-          <a:bodyPr>
-            <a:normAutofit/>
-          </a:bodyPr>
-          <a:lstStyle/>
-          <a:p>
-            <a:pPr marL="0" indent="0" algn="ctr">
-              <a:buNone/>
-            </a:pPr>
-            <a:r>
-              <a:rPr lang="zh-TW" altLang="en-US" sz="5400" b="1" dirty="0">
-                <a:solidFill>
-                  <a:srgbClr val="002060"/>
-                </a:solidFill>
-                <a:latin typeface="Microsoft JhengHei" panose="020B0604030504040204" pitchFamily="34" charset="-120"/>
-                <a:ea typeface="Microsoft JhengHei" panose="020B0604030504040204" pitchFamily="34" charset="-120"/>
-              </a:rPr>
-              <a:t>懇求救主格外垂憐</a:t>
-            </a:r>
-          </a:p>
-          <a:p>
-            <a:pPr marL="0" indent="0" algn="ctr">
-              <a:buNone/>
-            </a:pPr>
-            <a:r>
-              <a:rPr lang="zh-CN" altLang="zh-TW" sz="5400" b="1" dirty="0">
-                <a:solidFill>
-                  <a:srgbClr val="002060"/>
-                </a:solidFill>
-                <a:latin typeface="Microsoft JhengHei" panose="020B0604030504040204" pitchFamily="34" charset="-120"/>
-                <a:ea typeface="Microsoft JhengHei" panose="020B0604030504040204" pitchFamily="34" charset="-120"/>
-              </a:rPr>
-              <a:t>請聽我禱告</a:t>
-            </a:r>
-          </a:p>
-          <a:p>
-            <a:pPr marL="0" indent="0" algn="ctr">
-              <a:buNone/>
-            </a:pPr>
-            <a:r>
-              <a:rPr lang="zh-CN" altLang="zh-TW" sz="5400" b="1" dirty="0">
-                <a:solidFill>
-                  <a:srgbClr val="002060"/>
-                </a:solidFill>
-                <a:latin typeface="Microsoft JhengHei" panose="020B0604030504040204" pitchFamily="34" charset="-120"/>
-                <a:ea typeface="Microsoft JhengHei" panose="020B0604030504040204" pitchFamily="34" charset="-120"/>
-              </a:rPr>
-              <a:t>既有別人蒙主應允</a:t>
-            </a:r>
-          </a:p>
-          <a:p>
-            <a:pPr marL="0" indent="0" algn="ctr">
-              <a:buNone/>
-            </a:pPr>
-            <a:r>
-              <a:rPr lang="zh-CN" altLang="zh-TW" sz="5400" b="1" dirty="0">
-                <a:solidFill>
-                  <a:srgbClr val="002060"/>
-                </a:solidFill>
-                <a:latin typeface="Microsoft JhengHei" panose="020B0604030504040204" pitchFamily="34" charset="-120"/>
-                <a:ea typeface="Microsoft JhengHei" panose="020B0604030504040204" pitchFamily="34" charset="-120"/>
-              </a:rPr>
-              <a:t>使我亦沾恩</a:t>
-            </a:r>
-          </a:p>
-        </p:txBody>
-      </p:sp>
-      <p:sp>
-        <p:nvSpPr>
-          <p:cNvPr id="6" name="Text Box 1"/>
-          <p:cNvSpPr txBox="1"/>
-          <p:nvPr/>
-        </p:nvSpPr>
-        <p:spPr>
-          <a:xfrm>
-            <a:off x="1343472" y="1700808"/>
-            <a:ext cx="1380490" cy="830997"/>
-          </a:xfrm>
-          <a:prstGeom prst="rect">
-            <a:avLst/>
-          </a:prstGeom>
-          <a:noFill/>
-          <a:ln w="9525">
-            <a:noFill/>
-            <a:miter lim="800000"/>
-          </a:ln>
-        </p:spPr>
-        <p:txBody>
-          <a:bodyPr wrap="square">
-            <a:spAutoFit/>
-          </a:bodyPr>
-          <a:lstStyle/>
-          <a:p>
-            <a:pPr algn="ctr"/>
-            <a:r>
-              <a:rPr lang="en-US" sz="4800" b="1" dirty="0">
-                <a:solidFill>
-                  <a:srgbClr val="002060"/>
-                </a:solidFill>
-              </a:rPr>
-              <a:t>1.</a:t>
+              <a:rPr lang="zh-CN" altLang="en-US" sz="5333" b="1" u="sng" dirty="0">
+                <a:solidFill>
+                  <a:srgbClr val="660033"/>
+                </a:solidFill>
+                <a:effectLst>
+                  <a:outerShdw blurRad="38100" dist="38100" dir="2700000" algn="tl">
+                    <a:srgbClr val="000000">
+                      <a:alpha val="43137"/>
+                    </a:srgbClr>
+                  </a:outerShdw>
+                </a:effectLst>
+                <a:latin typeface="微軟正黑體" pitchFamily="34" charset="-120"/>
+                <a:ea typeface="微軟正黑體" pitchFamily="34" charset="-120"/>
+              </a:rPr>
+              <a:t>宣道詩 </a:t>
+            </a:r>
+            <a:r>
+              <a:rPr lang="en-US" altLang="zh-CN" sz="5333" b="1" u="sng" dirty="0" smtClean="0">
+                <a:solidFill>
+                  <a:srgbClr val="660033"/>
+                </a:solidFill>
+                <a:effectLst>
+                  <a:outerShdw blurRad="38100" dist="38100" dir="2700000" algn="tl">
+                    <a:srgbClr val="000000">
+                      <a:alpha val="43137"/>
+                    </a:srgbClr>
+                  </a:outerShdw>
+                </a:effectLst>
+                <a:latin typeface="微軟正黑體" pitchFamily="34" charset="-120"/>
+                <a:ea typeface="微軟正黑體" pitchFamily="34" charset="-120"/>
+              </a:rPr>
+              <a:t>141</a:t>
+            </a:r>
+            <a:r>
+              <a:rPr lang="en-US" altLang="zh-CN" sz="7200" b="1" i="1" dirty="0">
+                <a:solidFill>
+                  <a:srgbClr val="660033"/>
+                </a:solidFill>
+                <a:effectLst>
+                  <a:outerShdw blurRad="38100" dist="38100" dir="2700000" algn="tl">
+                    <a:srgbClr val="000000">
+                      <a:alpha val="43137"/>
+                    </a:srgbClr>
+                  </a:outerShdw>
+                </a:effectLst>
+                <a:latin typeface="微軟正黑體" pitchFamily="34" charset="-120"/>
+                <a:ea typeface="微軟正黑體" pitchFamily="34" charset="-120"/>
+              </a:rPr>
+              <a:t/>
+            </a:r>
+            <a:br>
+              <a:rPr lang="en-US" altLang="zh-CN" sz="7200" b="1" i="1" dirty="0">
+                <a:solidFill>
+                  <a:srgbClr val="660033"/>
+                </a:solidFill>
+                <a:effectLst>
+                  <a:outerShdw blurRad="38100" dist="38100" dir="2700000" algn="tl">
+                    <a:srgbClr val="000000">
+                      <a:alpha val="43137"/>
+                    </a:srgbClr>
+                  </a:outerShdw>
+                </a:effectLst>
+                <a:latin typeface="微軟正黑體" pitchFamily="34" charset="-120"/>
+                <a:ea typeface="微軟正黑體" pitchFamily="34" charset="-120"/>
+              </a:rPr>
+            </a:br>
+            <a:r>
+              <a:rPr lang="zh-TW" altLang="en-US" sz="8000" b="1" dirty="0" smtClean="0">
+                <a:solidFill>
+                  <a:srgbClr val="000066"/>
+                </a:solidFill>
+                <a:effectLst>
+                  <a:outerShdw blurRad="38100" dist="38100" dir="2700000" algn="tl">
+                    <a:srgbClr val="000000">
+                      <a:alpha val="43137"/>
+                    </a:srgbClr>
+                  </a:outerShdw>
+                </a:effectLst>
+                <a:latin typeface="微軟正黑體" pitchFamily="34" charset="-120"/>
+                <a:ea typeface="微軟正黑體" pitchFamily="34" charset="-120"/>
+              </a:rPr>
+              <a:t>懇</a:t>
+            </a:r>
+            <a:r>
+              <a:rPr lang="zh-TW" altLang="en-US" sz="8000" b="1" dirty="0">
+                <a:solidFill>
+                  <a:srgbClr val="000066"/>
+                </a:solidFill>
+                <a:effectLst>
+                  <a:outerShdw blurRad="38100" dist="38100" dir="2700000" algn="tl">
+                    <a:srgbClr val="000000">
+                      <a:alpha val="43137"/>
+                    </a:srgbClr>
+                  </a:outerShdw>
+                </a:effectLst>
+                <a:latin typeface="微軟正黑體" pitchFamily="34" charset="-120"/>
+                <a:ea typeface="微軟正黑體" pitchFamily="34" charset="-120"/>
+              </a:rPr>
+              <a:t>求救主格外垂憐</a:t>
             </a:r>
           </a:p>
         </p:txBody>
@@ -3891,13 +3856,750 @@
     </p:spTree>
     <p:extLst>
       <p:ext uri="{BB962C8B-B14F-4D97-AF65-F5344CB8AC3E}">
-        <p14:creationId xmlns:p14="http://schemas.microsoft.com/office/powerpoint/2010/main" val="3266341155"/>
+        <p14:creationId xmlns:p14="http://schemas.microsoft.com/office/powerpoint/2010/main" val="2200405825"/>
       </p:ext>
     </p:extLst>
   </p:cSld>
   <p:clrMapOvr>
     <a:masterClrMapping/>
   </p:clrMapOvr>
+  <p:timing>
+    <p:tnLst>
+      <p:par>
+        <p:cTn id="1" dur="indefinite" restart="never" nodeType="tmRoot"/>
+      </p:par>
+    </p:tnLst>
+  </p:timing>
+</p:sld>
+</file>
+
+<file path=ppt/slides/slide10.xml><?xml version="1.0" encoding="utf-8"?>
+<p:sld xmlns:a="http://schemas.openxmlformats.org/drawingml/2006/main" xmlns:r="http://schemas.openxmlformats.org/officeDocument/2006/relationships" xmlns:p="http://schemas.openxmlformats.org/presentationml/2006/main">
+  <p:cSld>
+    <p:spTree>
+      <p:nvGrpSpPr>
+        <p:cNvPr id="1" name=""/>
+        <p:cNvGrpSpPr/>
+        <p:nvPr/>
+      </p:nvGrpSpPr>
+      <p:grpSpPr>
+        <a:xfrm>
+          <a:off x="0" y="0"/>
+          <a:ext cx="0" cy="0"/>
+          <a:chOff x="0" y="0"/>
+          <a:chExt cx="0" cy="0"/>
+        </a:xfrm>
+      </p:grpSpPr>
+      <p:sp>
+        <p:nvSpPr>
+          <p:cNvPr id="5" name="內容版面配置區 4"/>
+          <p:cNvSpPr>
+            <a:spLocks noGrp="1"/>
+          </p:cNvSpPr>
+          <p:nvPr>
+            <p:ph idx="1"/>
+          </p:nvPr>
+        </p:nvSpPr>
+        <p:spPr>
+          <a:xfrm>
+            <a:off x="0" y="2084851"/>
+            <a:ext cx="12192000" cy="2404863"/>
+          </a:xfrm>
+        </p:spPr>
+        <p:txBody>
+          <a:bodyPr anchor="ctr">
+            <a:normAutofit/>
+          </a:bodyPr>
+          <a:lstStyle/>
+          <a:p>
+            <a:pPr marL="0" indent="0" algn="ctr">
+              <a:buNone/>
+            </a:pPr>
+            <a:r>
+              <a:rPr lang="zh-CN" altLang="zh-TW" sz="6600" b="1" dirty="0">
+                <a:solidFill>
+                  <a:srgbClr val="000066"/>
+                </a:solidFill>
+                <a:latin typeface="Microsoft JhengHei" panose="020B0604030504040204" pitchFamily="34" charset="-120"/>
+                <a:ea typeface="Microsoft JhengHei" panose="020B0604030504040204" pitchFamily="34" charset="-120"/>
+              </a:rPr>
+              <a:t>親愛救</a:t>
+            </a:r>
+            <a:r>
+              <a:rPr lang="zh-CN" altLang="zh-TW" sz="6600" b="1" dirty="0">
+                <a:solidFill>
+                  <a:srgbClr val="000066"/>
+                </a:solidFill>
+                <a:latin typeface="Microsoft JhengHei" panose="020B0604030504040204" pitchFamily="34" charset="-120"/>
+                <a:ea typeface="Microsoft JhengHei" panose="020B0604030504040204" pitchFamily="34" charset="-120"/>
+              </a:rPr>
+              <a:t>主</a:t>
+            </a:r>
+            <a:r>
+              <a:rPr lang="en-US" altLang="zh-CN" sz="6600" b="1" dirty="0">
+                <a:solidFill>
+                  <a:srgbClr val="000066"/>
+                </a:solidFill>
+                <a:latin typeface="Microsoft JhengHei" panose="020B0604030504040204" pitchFamily="34" charset="-120"/>
+                <a:ea typeface="Microsoft JhengHei" panose="020B0604030504040204" pitchFamily="34" charset="-120"/>
+              </a:rPr>
+              <a:t>  </a:t>
+            </a:r>
+            <a:r>
+              <a:rPr lang="en-US" altLang="zh-CN" sz="6600" b="1" dirty="0" smtClean="0">
+                <a:solidFill>
+                  <a:srgbClr val="000066"/>
+                </a:solidFill>
+                <a:latin typeface="Microsoft JhengHei" panose="020B0604030504040204" pitchFamily="34" charset="-120"/>
+                <a:ea typeface="Microsoft JhengHei" panose="020B0604030504040204" pitchFamily="34" charset="-120"/>
+              </a:rPr>
+              <a:t> </a:t>
+            </a:r>
+            <a:r>
+              <a:rPr lang="zh-CN" altLang="zh-TW" sz="6600" b="1" dirty="0" smtClean="0">
+                <a:solidFill>
+                  <a:srgbClr val="000066"/>
+                </a:solidFill>
+                <a:latin typeface="Microsoft JhengHei" panose="020B0604030504040204" pitchFamily="34" charset="-120"/>
+                <a:ea typeface="Microsoft JhengHei" panose="020B0604030504040204" pitchFamily="34" charset="-120"/>
+              </a:rPr>
+              <a:t>請</a:t>
+            </a:r>
+            <a:r>
+              <a:rPr lang="zh-CN" altLang="zh-TW" sz="6600" b="1" dirty="0">
+                <a:solidFill>
+                  <a:srgbClr val="000066"/>
+                </a:solidFill>
+                <a:latin typeface="Microsoft JhengHei" panose="020B0604030504040204" pitchFamily="34" charset="-120"/>
+                <a:ea typeface="Microsoft JhengHei" panose="020B0604030504040204" pitchFamily="34" charset="-120"/>
+              </a:rPr>
+              <a:t>聽我禱告</a:t>
+            </a:r>
+          </a:p>
+          <a:p>
+            <a:pPr marL="0" indent="0" algn="ctr">
+              <a:buNone/>
+            </a:pPr>
+            <a:r>
+              <a:rPr lang="zh-CN" altLang="zh-TW" sz="6600" b="1" dirty="0">
+                <a:solidFill>
+                  <a:srgbClr val="000066"/>
+                </a:solidFill>
+                <a:latin typeface="Microsoft JhengHei" panose="020B0604030504040204" pitchFamily="34" charset="-120"/>
+                <a:ea typeface="Microsoft JhengHei" panose="020B0604030504040204" pitchFamily="34" charset="-120"/>
+              </a:rPr>
+              <a:t>既有別人</a:t>
+            </a:r>
+            <a:r>
+              <a:rPr lang="zh-CN" altLang="zh-TW" sz="6600" b="1" dirty="0">
+                <a:solidFill>
+                  <a:srgbClr val="000066"/>
+                </a:solidFill>
+                <a:latin typeface="Microsoft JhengHei" panose="020B0604030504040204" pitchFamily="34" charset="-120"/>
+                <a:ea typeface="Microsoft JhengHei" panose="020B0604030504040204" pitchFamily="34" charset="-120"/>
+                <a:sym typeface="+mn-ea"/>
+              </a:rPr>
+              <a:t>蒙主應</a:t>
+            </a:r>
+            <a:r>
+              <a:rPr lang="zh-CN" altLang="zh-TW" sz="6600" b="1" dirty="0">
+                <a:solidFill>
+                  <a:srgbClr val="000066"/>
+                </a:solidFill>
+                <a:latin typeface="Microsoft JhengHei" panose="020B0604030504040204" pitchFamily="34" charset="-120"/>
+                <a:ea typeface="Microsoft JhengHei" panose="020B0604030504040204" pitchFamily="34" charset="-120"/>
+                <a:sym typeface="+mn-ea"/>
+              </a:rPr>
+              <a:t>允</a:t>
+            </a:r>
+            <a:r>
+              <a:rPr lang="en-US" altLang="zh-CN" sz="6600" b="1" dirty="0">
+                <a:solidFill>
+                  <a:srgbClr val="000066"/>
+                </a:solidFill>
+                <a:latin typeface="Microsoft JhengHei" panose="020B0604030504040204" pitchFamily="34" charset="-120"/>
+                <a:ea typeface="Microsoft JhengHei" panose="020B0604030504040204" pitchFamily="34" charset="-120"/>
+                <a:sym typeface="+mn-ea"/>
+              </a:rPr>
+              <a:t> </a:t>
+            </a:r>
+            <a:r>
+              <a:rPr lang="en-US" altLang="zh-CN" sz="6600" b="1" dirty="0" smtClean="0">
+                <a:solidFill>
+                  <a:srgbClr val="000066"/>
+                </a:solidFill>
+                <a:latin typeface="Microsoft JhengHei" panose="020B0604030504040204" pitchFamily="34" charset="-120"/>
+                <a:ea typeface="Microsoft JhengHei" panose="020B0604030504040204" pitchFamily="34" charset="-120"/>
+                <a:sym typeface="+mn-ea"/>
+              </a:rPr>
+              <a:t>  </a:t>
+            </a:r>
+            <a:r>
+              <a:rPr lang="zh-CN" altLang="zh-TW" sz="6600" b="1" dirty="0">
+                <a:solidFill>
+                  <a:srgbClr val="000066"/>
+                </a:solidFill>
+                <a:latin typeface="Microsoft JhengHei" panose="020B0604030504040204" pitchFamily="34" charset="-120"/>
+                <a:ea typeface="Microsoft JhengHei" panose="020B0604030504040204" pitchFamily="34" charset="-120"/>
+                <a:sym typeface="+mn-ea"/>
+              </a:rPr>
+              <a:t>使</a:t>
+            </a:r>
+            <a:r>
+              <a:rPr lang="zh-CN" altLang="zh-TW" sz="6600" b="1" dirty="0">
+                <a:solidFill>
+                  <a:srgbClr val="000066"/>
+                </a:solidFill>
+                <a:latin typeface="Microsoft JhengHei" panose="020B0604030504040204" pitchFamily="34" charset="-120"/>
+                <a:ea typeface="Microsoft JhengHei" panose="020B0604030504040204" pitchFamily="34" charset="-120"/>
+                <a:sym typeface="+mn-ea"/>
+              </a:rPr>
+              <a:t>我亦沾恩</a:t>
+            </a:r>
+            <a:endParaRPr lang="zh-CN" altLang="zh-TW" sz="6600" b="1" dirty="0">
+              <a:solidFill>
+                <a:srgbClr val="000066"/>
+              </a:solidFill>
+              <a:latin typeface="Microsoft JhengHei" panose="020B0604030504040204" pitchFamily="34" charset="-120"/>
+              <a:ea typeface="Microsoft JhengHei" panose="020B0604030504040204" pitchFamily="34" charset="-120"/>
+            </a:endParaRPr>
+          </a:p>
+        </p:txBody>
+      </p:sp>
+    </p:spTree>
+    <p:extLst>
+      <p:ext uri="{BB962C8B-B14F-4D97-AF65-F5344CB8AC3E}">
+        <p14:creationId xmlns:p14="http://schemas.microsoft.com/office/powerpoint/2010/main" val="2128413053"/>
+      </p:ext>
+    </p:extLst>
+  </p:cSld>
+  <p:clrMapOvr>
+    <a:masterClrMapping/>
+  </p:clrMapOvr>
+  <p:timing>
+    <p:tnLst>
+      <p:par>
+        <p:cTn id="1" dur="indefinite" restart="never" nodeType="tmRoot"/>
+      </p:par>
+    </p:tnLst>
+  </p:timing>
+</p:sld>
+</file>
+
+<file path=ppt/slides/slide11.xml><?xml version="1.0" encoding="utf-8"?>
+<p:sld xmlns:a="http://schemas.openxmlformats.org/drawingml/2006/main" xmlns:r="http://schemas.openxmlformats.org/officeDocument/2006/relationships" xmlns:p="http://schemas.openxmlformats.org/presentationml/2006/main">
+  <p:cSld>
+    <p:spTree>
+      <p:nvGrpSpPr>
+        <p:cNvPr id="1" name=""/>
+        <p:cNvGrpSpPr/>
+        <p:nvPr/>
+      </p:nvGrpSpPr>
+      <p:grpSpPr>
+        <a:xfrm>
+          <a:off x="0" y="0"/>
+          <a:ext cx="0" cy="0"/>
+          <a:chOff x="0" y="0"/>
+          <a:chExt cx="0" cy="0"/>
+        </a:xfrm>
+      </p:grpSpPr>
+      <p:sp>
+        <p:nvSpPr>
+          <p:cNvPr id="5" name="內容版面配置區 4"/>
+          <p:cNvSpPr>
+            <a:spLocks noGrp="1"/>
+          </p:cNvSpPr>
+          <p:nvPr>
+            <p:ph idx="1"/>
+          </p:nvPr>
+        </p:nvSpPr>
+        <p:spPr>
+          <a:xfrm>
+            <a:off x="0" y="2084851"/>
+            <a:ext cx="12192000" cy="2404863"/>
+          </a:xfrm>
+        </p:spPr>
+        <p:txBody>
+          <a:bodyPr anchor="ctr">
+            <a:normAutofit/>
+          </a:bodyPr>
+          <a:lstStyle/>
+          <a:p>
+            <a:pPr marL="0" indent="0" algn="ctr">
+              <a:buNone/>
+            </a:pPr>
+            <a:r>
+              <a:rPr lang="zh-CN" altLang="zh-TW" sz="6600" b="1" dirty="0">
+                <a:solidFill>
+                  <a:srgbClr val="000066"/>
+                </a:solidFill>
+                <a:latin typeface="Microsoft JhengHei" panose="020B0604030504040204" pitchFamily="34" charset="-120"/>
+                <a:ea typeface="Microsoft JhengHei" panose="020B0604030504040204" pitchFamily="34" charset="-120"/>
+              </a:rPr>
+              <a:t>救主是我平安根源</a:t>
+            </a:r>
+          </a:p>
+          <a:p>
+            <a:pPr marL="0" indent="0" algn="ctr">
+              <a:buNone/>
+            </a:pPr>
+            <a:r>
+              <a:rPr lang="zh-CN" altLang="zh-TW" sz="6600" b="1" dirty="0">
+                <a:solidFill>
+                  <a:srgbClr val="000066"/>
+                </a:solidFill>
+                <a:latin typeface="Microsoft JhengHei" panose="020B0604030504040204" pitchFamily="34" charset="-120"/>
+                <a:ea typeface="Microsoft JhengHei" panose="020B0604030504040204" pitchFamily="34" charset="-120"/>
+              </a:rPr>
+              <a:t>比生命更寶</a:t>
+            </a:r>
+            <a:endParaRPr lang="zh-CN" altLang="zh-TW" sz="6600" b="1" dirty="0">
+              <a:solidFill>
+                <a:srgbClr val="000066"/>
+              </a:solidFill>
+              <a:latin typeface="Microsoft JhengHei" panose="020B0604030504040204" pitchFamily="34" charset="-120"/>
+              <a:ea typeface="Microsoft JhengHei" panose="020B0604030504040204" pitchFamily="34" charset="-120"/>
+            </a:endParaRPr>
+          </a:p>
+        </p:txBody>
+      </p:sp>
+      <p:sp>
+        <p:nvSpPr>
+          <p:cNvPr id="3" name="TextBox 2"/>
+          <p:cNvSpPr txBox="1"/>
+          <p:nvPr/>
+        </p:nvSpPr>
+        <p:spPr>
+          <a:xfrm>
+            <a:off x="0" y="5061182"/>
+            <a:ext cx="12192000" cy="830997"/>
+          </a:xfrm>
+          <a:prstGeom prst="rect">
+            <a:avLst/>
+          </a:prstGeom>
+          <a:noFill/>
+        </p:spPr>
+        <p:txBody>
+          <a:bodyPr wrap="square" rtlCol="0">
+            <a:spAutoFit/>
+          </a:bodyPr>
+          <a:lstStyle/>
+          <a:p>
+            <a:pPr algn="ctr"/>
+            <a:r>
+              <a:rPr lang="en-US" sz="4800" b="1" dirty="0">
+                <a:solidFill>
+                  <a:srgbClr val="000066"/>
+                </a:solidFill>
+              </a:rPr>
+              <a:t>( </a:t>
+            </a:r>
+            <a:r>
+              <a:rPr lang="en-US" sz="4800" b="1" dirty="0" smtClean="0">
+                <a:solidFill>
+                  <a:srgbClr val="000066"/>
+                </a:solidFill>
+              </a:rPr>
+              <a:t>4 </a:t>
+            </a:r>
+            <a:r>
+              <a:rPr lang="en-US" sz="4800" b="1" dirty="0">
+                <a:solidFill>
+                  <a:srgbClr val="000066"/>
+                </a:solidFill>
+              </a:rPr>
+              <a:t>)</a:t>
+            </a:r>
+            <a:endParaRPr lang="vi-VN" sz="4800" b="1" dirty="0">
+              <a:solidFill>
+                <a:srgbClr val="000066"/>
+              </a:solidFill>
+            </a:endParaRPr>
+          </a:p>
+        </p:txBody>
+      </p:sp>
+    </p:spTree>
+    <p:extLst>
+      <p:ext uri="{BB962C8B-B14F-4D97-AF65-F5344CB8AC3E}">
+        <p14:creationId xmlns:p14="http://schemas.microsoft.com/office/powerpoint/2010/main" val="1749670482"/>
+      </p:ext>
+    </p:extLst>
+  </p:cSld>
+  <p:clrMapOvr>
+    <a:masterClrMapping/>
+  </p:clrMapOvr>
+  <p:timing>
+    <p:tnLst>
+      <p:par>
+        <p:cTn id="1" dur="indefinite" restart="never" nodeType="tmRoot"/>
+      </p:par>
+    </p:tnLst>
+  </p:timing>
+</p:sld>
+</file>
+
+<file path=ppt/slides/slide12.xml><?xml version="1.0" encoding="utf-8"?>
+<p:sld xmlns:a="http://schemas.openxmlformats.org/drawingml/2006/main" xmlns:r="http://schemas.openxmlformats.org/officeDocument/2006/relationships" xmlns:p="http://schemas.openxmlformats.org/presentationml/2006/main">
+  <p:cSld>
+    <p:spTree>
+      <p:nvGrpSpPr>
+        <p:cNvPr id="1" name=""/>
+        <p:cNvGrpSpPr/>
+        <p:nvPr/>
+      </p:nvGrpSpPr>
+      <p:grpSpPr>
+        <a:xfrm>
+          <a:off x="0" y="0"/>
+          <a:ext cx="0" cy="0"/>
+          <a:chOff x="0" y="0"/>
+          <a:chExt cx="0" cy="0"/>
+        </a:xfrm>
+      </p:grpSpPr>
+      <p:sp>
+        <p:nvSpPr>
+          <p:cNvPr id="5" name="內容版面配置區 4"/>
+          <p:cNvSpPr>
+            <a:spLocks noGrp="1"/>
+          </p:cNvSpPr>
+          <p:nvPr>
+            <p:ph idx="1"/>
+          </p:nvPr>
+        </p:nvSpPr>
+        <p:spPr>
+          <a:xfrm>
+            <a:off x="0" y="2084851"/>
+            <a:ext cx="12192000" cy="2404863"/>
+          </a:xfrm>
+        </p:spPr>
+        <p:txBody>
+          <a:bodyPr anchor="ctr">
+            <a:normAutofit/>
+          </a:bodyPr>
+          <a:lstStyle/>
+          <a:p>
+            <a:pPr marL="0" indent="0" algn="ctr">
+              <a:buNone/>
+            </a:pPr>
+            <a:r>
+              <a:rPr lang="zh-CN" altLang="zh-TW" sz="6600" b="1" dirty="0">
+                <a:solidFill>
+                  <a:srgbClr val="000066"/>
+                </a:solidFill>
+                <a:latin typeface="Microsoft JhengHei" panose="020B0604030504040204" pitchFamily="34" charset="-120"/>
+                <a:ea typeface="Microsoft JhengHei" panose="020B0604030504040204" pitchFamily="34" charset="-120"/>
+              </a:rPr>
+              <a:t>天上地下除主以外</a:t>
+            </a:r>
+          </a:p>
+          <a:p>
+            <a:pPr marL="0" indent="0" algn="ctr">
+              <a:buNone/>
+            </a:pPr>
+            <a:r>
+              <a:rPr lang="zh-CN" altLang="zh-TW" sz="6600" b="1" dirty="0">
+                <a:solidFill>
+                  <a:srgbClr val="000066"/>
+                </a:solidFill>
+                <a:latin typeface="Microsoft JhengHei" panose="020B0604030504040204" pitchFamily="34" charset="-120"/>
+                <a:ea typeface="Microsoft JhengHei" panose="020B0604030504040204" pitchFamily="34" charset="-120"/>
+              </a:rPr>
+              <a:t>無救主可靠</a:t>
+            </a:r>
+            <a:endParaRPr lang="zh-CN" altLang="zh-TW" sz="6600" b="1" dirty="0">
+              <a:solidFill>
+                <a:srgbClr val="000066"/>
+              </a:solidFill>
+              <a:latin typeface="Microsoft JhengHei" panose="020B0604030504040204" pitchFamily="34" charset="-120"/>
+              <a:ea typeface="Microsoft JhengHei" panose="020B0604030504040204" pitchFamily="34" charset="-120"/>
+            </a:endParaRPr>
+          </a:p>
+        </p:txBody>
+      </p:sp>
+      <p:sp>
+        <p:nvSpPr>
+          <p:cNvPr id="3" name="TextBox 2"/>
+          <p:cNvSpPr txBox="1"/>
+          <p:nvPr/>
+        </p:nvSpPr>
+        <p:spPr>
+          <a:xfrm>
+            <a:off x="0" y="5061182"/>
+            <a:ext cx="12192000" cy="830997"/>
+          </a:xfrm>
+          <a:prstGeom prst="rect">
+            <a:avLst/>
+          </a:prstGeom>
+          <a:noFill/>
+        </p:spPr>
+        <p:txBody>
+          <a:bodyPr wrap="square" rtlCol="0">
+            <a:spAutoFit/>
+          </a:bodyPr>
+          <a:lstStyle/>
+          <a:p>
+            <a:pPr algn="ctr"/>
+            <a:r>
+              <a:rPr lang="en-US" sz="4800" b="1" dirty="0">
+                <a:solidFill>
+                  <a:srgbClr val="000066"/>
+                </a:solidFill>
+              </a:rPr>
+              <a:t>( </a:t>
+            </a:r>
+            <a:r>
+              <a:rPr lang="en-US" sz="4800" b="1" dirty="0" smtClean="0">
+                <a:solidFill>
+                  <a:srgbClr val="000066"/>
+                </a:solidFill>
+              </a:rPr>
+              <a:t>4 </a:t>
+            </a:r>
+            <a:r>
+              <a:rPr lang="en-US" sz="4800" b="1" dirty="0">
+                <a:solidFill>
+                  <a:srgbClr val="000066"/>
+                </a:solidFill>
+              </a:rPr>
+              <a:t>)</a:t>
+            </a:r>
+            <a:endParaRPr lang="vi-VN" sz="4800" b="1" dirty="0">
+              <a:solidFill>
+                <a:srgbClr val="000066"/>
+              </a:solidFill>
+            </a:endParaRPr>
+          </a:p>
+        </p:txBody>
+      </p:sp>
+    </p:spTree>
+    <p:extLst>
+      <p:ext uri="{BB962C8B-B14F-4D97-AF65-F5344CB8AC3E}">
+        <p14:creationId xmlns:p14="http://schemas.microsoft.com/office/powerpoint/2010/main" val="2637431497"/>
+      </p:ext>
+    </p:extLst>
+  </p:cSld>
+  <p:clrMapOvr>
+    <a:masterClrMapping/>
+  </p:clrMapOvr>
+  <p:timing>
+    <p:tnLst>
+      <p:par>
+        <p:cTn id="1" dur="indefinite" restart="never" nodeType="tmRoot"/>
+      </p:par>
+    </p:tnLst>
+  </p:timing>
+</p:sld>
+</file>
+
+<file path=ppt/slides/slide13.xml><?xml version="1.0" encoding="utf-8"?>
+<p:sld xmlns:a="http://schemas.openxmlformats.org/drawingml/2006/main" xmlns:r="http://schemas.openxmlformats.org/officeDocument/2006/relationships" xmlns:p="http://schemas.openxmlformats.org/presentationml/2006/main">
+  <p:cSld>
+    <p:spTree>
+      <p:nvGrpSpPr>
+        <p:cNvPr id="1" name=""/>
+        <p:cNvGrpSpPr/>
+        <p:nvPr/>
+      </p:nvGrpSpPr>
+      <p:grpSpPr>
+        <a:xfrm>
+          <a:off x="0" y="0"/>
+          <a:ext cx="0" cy="0"/>
+          <a:chOff x="0" y="0"/>
+          <a:chExt cx="0" cy="0"/>
+        </a:xfrm>
+      </p:grpSpPr>
+      <p:sp>
+        <p:nvSpPr>
+          <p:cNvPr id="5" name="內容版面配置區 4"/>
+          <p:cNvSpPr>
+            <a:spLocks noGrp="1"/>
+          </p:cNvSpPr>
+          <p:nvPr>
+            <p:ph idx="1"/>
+          </p:nvPr>
+        </p:nvSpPr>
+        <p:spPr>
+          <a:xfrm>
+            <a:off x="0" y="2084851"/>
+            <a:ext cx="12192000" cy="2404863"/>
+          </a:xfrm>
+        </p:spPr>
+        <p:txBody>
+          <a:bodyPr anchor="ctr">
+            <a:normAutofit/>
+          </a:bodyPr>
+          <a:lstStyle/>
+          <a:p>
+            <a:pPr marL="0" indent="0" algn="ctr">
+              <a:buNone/>
+            </a:pPr>
+            <a:r>
+              <a:rPr lang="zh-CN" altLang="zh-TW" sz="6600" b="1" dirty="0">
+                <a:solidFill>
+                  <a:srgbClr val="000066"/>
+                </a:solidFill>
+                <a:latin typeface="Microsoft JhengHei" panose="020B0604030504040204" pitchFamily="34" charset="-120"/>
+                <a:ea typeface="Microsoft JhengHei" panose="020B0604030504040204" pitchFamily="34" charset="-120"/>
+              </a:rPr>
+              <a:t>親愛救</a:t>
+            </a:r>
+            <a:r>
+              <a:rPr lang="zh-CN" altLang="zh-TW" sz="6600" b="1" dirty="0">
+                <a:solidFill>
+                  <a:srgbClr val="000066"/>
+                </a:solidFill>
+                <a:latin typeface="Microsoft JhengHei" panose="020B0604030504040204" pitchFamily="34" charset="-120"/>
+                <a:ea typeface="Microsoft JhengHei" panose="020B0604030504040204" pitchFamily="34" charset="-120"/>
+              </a:rPr>
+              <a:t>主</a:t>
+            </a:r>
+            <a:r>
+              <a:rPr lang="en-US" altLang="zh-CN" sz="6600" b="1" dirty="0">
+                <a:solidFill>
+                  <a:srgbClr val="000066"/>
+                </a:solidFill>
+                <a:latin typeface="Microsoft JhengHei" panose="020B0604030504040204" pitchFamily="34" charset="-120"/>
+                <a:ea typeface="Microsoft JhengHei" panose="020B0604030504040204" pitchFamily="34" charset="-120"/>
+              </a:rPr>
+              <a:t>  </a:t>
+            </a:r>
+            <a:r>
+              <a:rPr lang="en-US" altLang="zh-CN" sz="6600" b="1" dirty="0" smtClean="0">
+                <a:solidFill>
+                  <a:srgbClr val="000066"/>
+                </a:solidFill>
+                <a:latin typeface="Microsoft JhengHei" panose="020B0604030504040204" pitchFamily="34" charset="-120"/>
+                <a:ea typeface="Microsoft JhengHei" panose="020B0604030504040204" pitchFamily="34" charset="-120"/>
+              </a:rPr>
+              <a:t> </a:t>
+            </a:r>
+            <a:r>
+              <a:rPr lang="zh-CN" altLang="zh-TW" sz="6600" b="1" dirty="0" smtClean="0">
+                <a:solidFill>
+                  <a:srgbClr val="000066"/>
+                </a:solidFill>
+                <a:latin typeface="Microsoft JhengHei" panose="020B0604030504040204" pitchFamily="34" charset="-120"/>
+                <a:ea typeface="Microsoft JhengHei" panose="020B0604030504040204" pitchFamily="34" charset="-120"/>
+              </a:rPr>
+              <a:t>請</a:t>
+            </a:r>
+            <a:r>
+              <a:rPr lang="zh-CN" altLang="zh-TW" sz="6600" b="1" dirty="0">
+                <a:solidFill>
+                  <a:srgbClr val="000066"/>
+                </a:solidFill>
+                <a:latin typeface="Microsoft JhengHei" panose="020B0604030504040204" pitchFamily="34" charset="-120"/>
+                <a:ea typeface="Microsoft JhengHei" panose="020B0604030504040204" pitchFamily="34" charset="-120"/>
+              </a:rPr>
+              <a:t>聽我禱告</a:t>
+            </a:r>
+          </a:p>
+          <a:p>
+            <a:pPr marL="0" indent="0" algn="ctr">
+              <a:buNone/>
+            </a:pPr>
+            <a:r>
+              <a:rPr lang="zh-CN" altLang="zh-TW" sz="6600" b="1" dirty="0">
+                <a:solidFill>
+                  <a:srgbClr val="000066"/>
+                </a:solidFill>
+                <a:latin typeface="Microsoft JhengHei" panose="020B0604030504040204" pitchFamily="34" charset="-120"/>
+                <a:ea typeface="Microsoft JhengHei" panose="020B0604030504040204" pitchFamily="34" charset="-120"/>
+              </a:rPr>
+              <a:t>既有別人</a:t>
+            </a:r>
+            <a:r>
+              <a:rPr lang="zh-CN" altLang="zh-TW" sz="6600" b="1" dirty="0">
+                <a:solidFill>
+                  <a:srgbClr val="000066"/>
+                </a:solidFill>
+                <a:latin typeface="Microsoft JhengHei" panose="020B0604030504040204" pitchFamily="34" charset="-120"/>
+                <a:ea typeface="Microsoft JhengHei" panose="020B0604030504040204" pitchFamily="34" charset="-120"/>
+                <a:sym typeface="+mn-ea"/>
+              </a:rPr>
+              <a:t>蒙主應</a:t>
+            </a:r>
+            <a:r>
+              <a:rPr lang="zh-CN" altLang="zh-TW" sz="6600" b="1" dirty="0">
+                <a:solidFill>
+                  <a:srgbClr val="000066"/>
+                </a:solidFill>
+                <a:latin typeface="Microsoft JhengHei" panose="020B0604030504040204" pitchFamily="34" charset="-120"/>
+                <a:ea typeface="Microsoft JhengHei" panose="020B0604030504040204" pitchFamily="34" charset="-120"/>
+                <a:sym typeface="+mn-ea"/>
+              </a:rPr>
+              <a:t>允</a:t>
+            </a:r>
+            <a:r>
+              <a:rPr lang="en-US" altLang="zh-CN" sz="6600" b="1" dirty="0">
+                <a:solidFill>
+                  <a:srgbClr val="000066"/>
+                </a:solidFill>
+                <a:latin typeface="Microsoft JhengHei" panose="020B0604030504040204" pitchFamily="34" charset="-120"/>
+                <a:ea typeface="Microsoft JhengHei" panose="020B0604030504040204" pitchFamily="34" charset="-120"/>
+                <a:sym typeface="+mn-ea"/>
+              </a:rPr>
+              <a:t> </a:t>
+            </a:r>
+            <a:r>
+              <a:rPr lang="en-US" altLang="zh-CN" sz="6600" b="1" dirty="0" smtClean="0">
+                <a:solidFill>
+                  <a:srgbClr val="000066"/>
+                </a:solidFill>
+                <a:latin typeface="Microsoft JhengHei" panose="020B0604030504040204" pitchFamily="34" charset="-120"/>
+                <a:ea typeface="Microsoft JhengHei" panose="020B0604030504040204" pitchFamily="34" charset="-120"/>
+                <a:sym typeface="+mn-ea"/>
+              </a:rPr>
+              <a:t>  </a:t>
+            </a:r>
+            <a:r>
+              <a:rPr lang="zh-CN" altLang="zh-TW" sz="6600" b="1" dirty="0">
+                <a:solidFill>
+                  <a:srgbClr val="000066"/>
+                </a:solidFill>
+                <a:latin typeface="Microsoft JhengHei" panose="020B0604030504040204" pitchFamily="34" charset="-120"/>
+                <a:ea typeface="Microsoft JhengHei" panose="020B0604030504040204" pitchFamily="34" charset="-120"/>
+                <a:sym typeface="+mn-ea"/>
+              </a:rPr>
+              <a:t>使</a:t>
+            </a:r>
+            <a:r>
+              <a:rPr lang="zh-CN" altLang="zh-TW" sz="6600" b="1" dirty="0">
+                <a:solidFill>
+                  <a:srgbClr val="000066"/>
+                </a:solidFill>
+                <a:latin typeface="Microsoft JhengHei" panose="020B0604030504040204" pitchFamily="34" charset="-120"/>
+                <a:ea typeface="Microsoft JhengHei" panose="020B0604030504040204" pitchFamily="34" charset="-120"/>
+                <a:sym typeface="+mn-ea"/>
+              </a:rPr>
+              <a:t>我亦沾恩</a:t>
+            </a:r>
+            <a:endParaRPr lang="zh-CN" altLang="zh-TW" sz="6600" b="1" dirty="0">
+              <a:solidFill>
+                <a:srgbClr val="000066"/>
+              </a:solidFill>
+              <a:latin typeface="Microsoft JhengHei" panose="020B0604030504040204" pitchFamily="34" charset="-120"/>
+              <a:ea typeface="Microsoft JhengHei" panose="020B0604030504040204" pitchFamily="34" charset="-120"/>
+            </a:endParaRPr>
+          </a:p>
+        </p:txBody>
+      </p:sp>
+    </p:spTree>
+    <p:extLst>
+      <p:ext uri="{BB962C8B-B14F-4D97-AF65-F5344CB8AC3E}">
+        <p14:creationId xmlns:p14="http://schemas.microsoft.com/office/powerpoint/2010/main" val="3201131527"/>
+      </p:ext>
+    </p:extLst>
+  </p:cSld>
+  <p:clrMapOvr>
+    <a:masterClrMapping/>
+  </p:clrMapOvr>
+  <p:timing>
+    <p:tnLst>
+      <p:par>
+        <p:cTn id="1" dur="indefinite" restart="never" nodeType="tmRoot"/>
+      </p:par>
+    </p:tnLst>
+  </p:timing>
 </p:sld>
 </file>
 
@@ -3920,83 +4622,48 @@
       </p:grpSpPr>
       <p:sp>
         <p:nvSpPr>
-          <p:cNvPr id="4" name="Title 3"/>
-          <p:cNvSpPr>
-            <a:spLocks noGrp="1"/>
-          </p:cNvSpPr>
-          <p:nvPr>
-            <p:ph type="title"/>
-          </p:nvPr>
-        </p:nvSpPr>
-        <p:spPr/>
-        <p:txBody>
-          <a:bodyPr>
+          <p:cNvPr id="5" name="內容版面配置區 4"/>
+          <p:cNvSpPr>
+            <a:spLocks noGrp="1"/>
+          </p:cNvSpPr>
+          <p:nvPr>
+            <p:ph idx="1"/>
+          </p:nvPr>
+        </p:nvSpPr>
+        <p:spPr>
+          <a:xfrm>
+            <a:off x="0" y="2084851"/>
+            <a:ext cx="12192000" cy="2404863"/>
+          </a:xfrm>
+        </p:spPr>
+        <p:txBody>
+          <a:bodyPr anchor="ctr">
             <a:normAutofit/>
           </a:bodyPr>
           <a:lstStyle/>
           <a:p>
-            <a:r>
-              <a:rPr lang="en-US" altLang="zh-TW" sz="4800" b="1" dirty="0">
-                <a:solidFill>
-                  <a:srgbClr val="002060"/>
-                </a:solidFill>
-                <a:latin typeface="Microsoft JhengHei" panose="020B0604030504040204" pitchFamily="34" charset="-120"/>
-                <a:ea typeface="Microsoft JhengHei" panose="020B0604030504040204" pitchFamily="34" charset="-120"/>
-              </a:rPr>
-              <a:t>【</a:t>
-            </a:r>
-            <a:r>
-              <a:rPr lang="zh-TW" altLang="en-US" sz="4800" b="1" dirty="0">
-                <a:solidFill>
-                  <a:srgbClr val="002060"/>
-                </a:solidFill>
-                <a:latin typeface="Microsoft JhengHei" panose="020B0604030504040204" pitchFamily="34" charset="-120"/>
-                <a:ea typeface="Microsoft JhengHei" panose="020B0604030504040204" pitchFamily="34" charset="-120"/>
-              </a:rPr>
-              <a:t>懇求救主格外垂憐</a:t>
-            </a:r>
-            <a:r>
-              <a:rPr lang="en-US" altLang="zh-TW" sz="4800" b="1" dirty="0">
-                <a:solidFill>
-                  <a:srgbClr val="002060"/>
-                </a:solidFill>
-                <a:latin typeface="Microsoft JhengHei" panose="020B0604030504040204" pitchFamily="34" charset="-120"/>
-                <a:ea typeface="Microsoft JhengHei" panose="020B0604030504040204" pitchFamily="34" charset="-120"/>
-              </a:rPr>
-              <a:t>】</a:t>
-            </a:r>
-          </a:p>
-        </p:txBody>
-      </p:sp>
-      <p:sp>
-        <p:nvSpPr>
-          <p:cNvPr id="5" name="Content Placeholder 4"/>
-          <p:cNvSpPr>
-            <a:spLocks noGrp="1"/>
-          </p:cNvSpPr>
-          <p:nvPr>
-            <p:ph idx="1"/>
-          </p:nvPr>
-        </p:nvSpPr>
-        <p:spPr/>
-        <p:txBody>
-          <a:bodyPr>
-            <a:normAutofit/>
-          </a:bodyPr>
-          <a:lstStyle/>
-          <a:p>
             <a:pPr marL="0" indent="0" algn="ctr">
               <a:buNone/>
             </a:pPr>
             <a:r>
-              <a:rPr lang="zh-CN" altLang="zh-TW" sz="5400" b="1" dirty="0">
-                <a:solidFill>
-                  <a:srgbClr val="002060"/>
-                </a:solidFill>
-                <a:latin typeface="Microsoft JhengHei" panose="020B0604030504040204" pitchFamily="34" charset="-120"/>
-                <a:ea typeface="Microsoft JhengHei" panose="020B0604030504040204" pitchFamily="34" charset="-120"/>
-              </a:rPr>
-              <a:t>親愛救主</a:t>
+              <a:rPr lang="zh-TW" altLang="en-US" sz="6600" b="1" dirty="0">
+                <a:solidFill>
+                  <a:srgbClr val="000066"/>
+                </a:solidFill>
+                <a:latin typeface="Microsoft JhengHei" panose="020B0604030504040204" pitchFamily="34" charset="-120"/>
+                <a:ea typeface="Microsoft JhengHei" panose="020B0604030504040204" pitchFamily="34" charset="-120"/>
+              </a:rPr>
+              <a:t>懇求救主格外垂</a:t>
+            </a:r>
+            <a:r>
+              <a:rPr lang="zh-TW" altLang="en-US" sz="6600" b="1" dirty="0" smtClean="0">
+                <a:solidFill>
+                  <a:srgbClr val="000066"/>
+                </a:solidFill>
+                <a:latin typeface="Microsoft JhengHei" panose="020B0604030504040204" pitchFamily="34" charset="-120"/>
+                <a:ea typeface="Microsoft JhengHei" panose="020B0604030504040204" pitchFamily="34" charset="-120"/>
+              </a:rPr>
+              <a:t>憐</a:t>
             </a:r>
           </a:p>
           <a:p>
@@ -4004,70 +4671,60 @@
               <a:buNone/>
             </a:pPr>
             <a:r>
-              <a:rPr lang="zh-CN" altLang="zh-TW" sz="5400" b="1" dirty="0">
-                <a:solidFill>
-                  <a:srgbClr val="002060"/>
+              <a:rPr lang="zh-CN" altLang="zh-TW" sz="6600" b="1" dirty="0" smtClean="0">
+                <a:solidFill>
+                  <a:srgbClr val="000066"/>
                 </a:solidFill>
                 <a:latin typeface="Microsoft JhengHei" panose="020B0604030504040204" pitchFamily="34" charset="-120"/>
                 <a:ea typeface="Microsoft JhengHei" panose="020B0604030504040204" pitchFamily="34" charset="-120"/>
               </a:rPr>
               <a:t>請聽我禱告</a:t>
             </a:r>
-          </a:p>
-          <a:p>
-            <a:pPr marL="0" indent="0" algn="ctr">
-              <a:buNone/>
-            </a:pPr>
-            <a:r>
-              <a:rPr lang="zh-CN" altLang="zh-TW" sz="5400" b="1" dirty="0">
-                <a:solidFill>
-                  <a:srgbClr val="002060"/>
-                </a:solidFill>
-                <a:latin typeface="Microsoft JhengHei" panose="020B0604030504040204" pitchFamily="34" charset="-120"/>
-                <a:ea typeface="Microsoft JhengHei" panose="020B0604030504040204" pitchFamily="34" charset="-120"/>
-              </a:rPr>
-              <a:t>既有別人</a:t>
-            </a:r>
-            <a:r>
-              <a:rPr lang="zh-CN" altLang="zh-TW" sz="5400" b="1" dirty="0">
-                <a:solidFill>
-                  <a:srgbClr val="002060"/>
-                </a:solidFill>
-                <a:latin typeface="Microsoft JhengHei" panose="020B0604030504040204" pitchFamily="34" charset="-120"/>
-                <a:ea typeface="Microsoft JhengHei" panose="020B0604030504040204" pitchFamily="34" charset="-120"/>
-                <a:sym typeface="+mn-ea"/>
-              </a:rPr>
-              <a:t>蒙主應允</a:t>
-            </a:r>
-            <a:endParaRPr lang="zh-CN" altLang="zh-TW" sz="5400" b="1" dirty="0">
+            <a:endParaRPr lang="zh-CN" altLang="zh-TW" sz="6600" b="1" dirty="0">
               <a:solidFill>
-                <a:srgbClr val="002060"/>
+                <a:srgbClr val="000066"/>
               </a:solidFill>
               <a:latin typeface="Microsoft JhengHei" panose="020B0604030504040204" pitchFamily="34" charset="-120"/>
               <a:ea typeface="Microsoft JhengHei" panose="020B0604030504040204" pitchFamily="34" charset="-120"/>
             </a:endParaRPr>
           </a:p>
-          <a:p>
-            <a:pPr marL="0" indent="0" algn="ctr">
-              <a:buNone/>
-            </a:pPr>
-            <a:r>
-              <a:rPr lang="zh-CN" altLang="zh-TW" sz="5400" b="1" dirty="0">
-                <a:solidFill>
-                  <a:srgbClr val="002060"/>
-                </a:solidFill>
-                <a:latin typeface="Microsoft JhengHei" panose="020B0604030504040204" pitchFamily="34" charset="-120"/>
-                <a:ea typeface="Microsoft JhengHei" panose="020B0604030504040204" pitchFamily="34" charset="-120"/>
-                <a:sym typeface="+mn-ea"/>
-              </a:rPr>
-              <a:t>使我亦沾恩</a:t>
-            </a:r>
-            <a:endParaRPr lang="zh-CN" altLang="zh-TW" sz="5400" b="1" dirty="0">
+        </p:txBody>
+      </p:sp>
+      <p:sp>
+        <p:nvSpPr>
+          <p:cNvPr id="3" name="TextBox 2"/>
+          <p:cNvSpPr txBox="1"/>
+          <p:nvPr/>
+        </p:nvSpPr>
+        <p:spPr>
+          <a:xfrm>
+            <a:off x="0" y="5061182"/>
+            <a:ext cx="12192000" cy="830997"/>
+          </a:xfrm>
+          <a:prstGeom prst="rect">
+            <a:avLst/>
+          </a:prstGeom>
+          <a:noFill/>
+        </p:spPr>
+        <p:txBody>
+          <a:bodyPr wrap="square" rtlCol="0">
+            <a:spAutoFit/>
+          </a:bodyPr>
+          <a:lstStyle/>
+          <a:p>
+            <a:pPr algn="ctr"/>
+            <a:r>
+              <a:rPr lang="en-US" sz="4800" b="1" dirty="0">
+                <a:solidFill>
+                  <a:srgbClr val="000066"/>
+                </a:solidFill>
+              </a:rPr>
+              <a:t>( 1 )</a:t>
+            </a:r>
+            <a:endParaRPr lang="vi-VN" sz="4800" b="1" dirty="0">
               <a:solidFill>
-                <a:srgbClr val="002060"/>
+                <a:srgbClr val="000066"/>
               </a:solidFill>
-              <a:latin typeface="Microsoft JhengHei" panose="020B0604030504040204" pitchFamily="34" charset="-120"/>
-              <a:ea typeface="Microsoft JhengHei" panose="020B0604030504040204" pitchFamily="34" charset="-120"/>
             </a:endParaRPr>
           </a:p>
         </p:txBody>
@@ -4075,13 +4732,20 @@
     </p:spTree>
     <p:extLst>
       <p:ext uri="{BB962C8B-B14F-4D97-AF65-F5344CB8AC3E}">
-        <p14:creationId xmlns:p14="http://schemas.microsoft.com/office/powerpoint/2010/main" val="1904596062"/>
+        <p14:creationId xmlns:p14="http://schemas.microsoft.com/office/powerpoint/2010/main" val="2049586975"/>
       </p:ext>
     </p:extLst>
   </p:cSld>
   <p:clrMapOvr>
     <a:masterClrMapping/>
   </p:clrMapOvr>
+  <p:timing>
+    <p:tnLst>
+      <p:par>
+        <p:cTn id="1" dur="indefinite" restart="never" nodeType="tmRoot"/>
+      </p:par>
+    </p:tnLst>
+  </p:timing>
 </p:sld>
 </file>
 
@@ -4104,83 +4768,38 @@
       </p:grpSpPr>
       <p:sp>
         <p:nvSpPr>
-          <p:cNvPr id="4" name="Title 3"/>
-          <p:cNvSpPr>
-            <a:spLocks noGrp="1"/>
-          </p:cNvSpPr>
-          <p:nvPr>
-            <p:ph type="title"/>
-          </p:nvPr>
-        </p:nvSpPr>
-        <p:spPr/>
-        <p:txBody>
-          <a:bodyPr>
+          <p:cNvPr id="5" name="內容版面配置區 4"/>
+          <p:cNvSpPr>
+            <a:spLocks noGrp="1"/>
+          </p:cNvSpPr>
+          <p:nvPr>
+            <p:ph idx="1"/>
+          </p:nvPr>
+        </p:nvSpPr>
+        <p:spPr>
+          <a:xfrm>
+            <a:off x="0" y="2084851"/>
+            <a:ext cx="12192000" cy="2404863"/>
+          </a:xfrm>
+        </p:spPr>
+        <p:txBody>
+          <a:bodyPr anchor="ctr">
             <a:normAutofit/>
           </a:bodyPr>
           <a:lstStyle/>
           <a:p>
-            <a:r>
-              <a:rPr lang="en-US" altLang="zh-TW" sz="4800" b="1" dirty="0">
-                <a:solidFill>
-                  <a:srgbClr val="002060"/>
-                </a:solidFill>
-                <a:latin typeface="Microsoft JhengHei" panose="020B0604030504040204" pitchFamily="34" charset="-120"/>
-                <a:ea typeface="Microsoft JhengHei" panose="020B0604030504040204" pitchFamily="34" charset="-120"/>
-              </a:rPr>
-              <a:t>【</a:t>
-            </a:r>
-            <a:r>
-              <a:rPr lang="zh-TW" altLang="en-US" sz="4800" b="1" dirty="0">
-                <a:solidFill>
-                  <a:srgbClr val="002060"/>
-                </a:solidFill>
-                <a:latin typeface="Microsoft JhengHei" panose="020B0604030504040204" pitchFamily="34" charset="-120"/>
-                <a:ea typeface="Microsoft JhengHei" panose="020B0604030504040204" pitchFamily="34" charset="-120"/>
-              </a:rPr>
-              <a:t>懇求救主格外垂憐</a:t>
-            </a:r>
-            <a:r>
-              <a:rPr lang="en-US" altLang="zh-TW" sz="4800" b="1" dirty="0">
-                <a:solidFill>
-                  <a:srgbClr val="002060"/>
-                </a:solidFill>
-                <a:latin typeface="Microsoft JhengHei" panose="020B0604030504040204" pitchFamily="34" charset="-120"/>
-                <a:ea typeface="Microsoft JhengHei" panose="020B0604030504040204" pitchFamily="34" charset="-120"/>
-              </a:rPr>
-              <a:t>】</a:t>
-            </a:r>
-          </a:p>
-        </p:txBody>
-      </p:sp>
-      <p:sp>
-        <p:nvSpPr>
-          <p:cNvPr id="5" name="Content Placeholder 4"/>
-          <p:cNvSpPr>
-            <a:spLocks noGrp="1"/>
-          </p:cNvSpPr>
-          <p:nvPr>
-            <p:ph idx="1"/>
-          </p:nvPr>
-        </p:nvSpPr>
-        <p:spPr/>
-        <p:txBody>
-          <a:bodyPr>
-            <a:normAutofit/>
-          </a:bodyPr>
-          <a:lstStyle/>
-          <a:p>
             <a:pPr marL="0" indent="0" algn="ctr">
               <a:buNone/>
             </a:pPr>
             <a:r>
-              <a:rPr lang="zh-CN" altLang="zh-TW" sz="5400" b="1" dirty="0">
-                <a:solidFill>
-                  <a:srgbClr val="002060"/>
-                </a:solidFill>
-                <a:latin typeface="Microsoft JhengHei" panose="020B0604030504040204" pitchFamily="34" charset="-120"/>
-                <a:ea typeface="Microsoft JhengHei" panose="020B0604030504040204" pitchFamily="34" charset="-120"/>
-              </a:rPr>
-              <a:t>讓我進到恩主台前</a:t>
+              <a:rPr lang="zh-CN" altLang="zh-TW" sz="6600" b="1" dirty="0">
+                <a:solidFill>
+                  <a:srgbClr val="000066"/>
+                </a:solidFill>
+                <a:latin typeface="Microsoft JhengHei" panose="020B0604030504040204" pitchFamily="34" charset="-120"/>
+                <a:ea typeface="Microsoft JhengHei" panose="020B0604030504040204" pitchFamily="34" charset="-120"/>
+              </a:rPr>
+              <a:t>既有別人蒙主應允</a:t>
             </a:r>
           </a:p>
           <a:p>
@@ -4188,70 +4807,36 @@
               <a:buNone/>
             </a:pPr>
             <a:r>
-              <a:rPr lang="zh-CN" altLang="zh-TW" sz="5400" b="1" dirty="0">
-                <a:solidFill>
-                  <a:srgbClr val="002060"/>
-                </a:solidFill>
-                <a:latin typeface="Microsoft JhengHei" panose="020B0604030504040204" pitchFamily="34" charset="-120"/>
-                <a:ea typeface="Microsoft JhengHei" panose="020B0604030504040204" pitchFamily="34" charset="-120"/>
-              </a:rPr>
-              <a:t>永遠不相離</a:t>
-            </a:r>
-          </a:p>
-          <a:p>
-            <a:pPr marL="0" indent="0" algn="ctr">
-              <a:buNone/>
-            </a:pPr>
-            <a:r>
-              <a:rPr lang="zh-CN" altLang="zh-TW" sz="5400" b="1" dirty="0">
-                <a:solidFill>
-                  <a:srgbClr val="002060"/>
-                </a:solidFill>
-                <a:latin typeface="Microsoft JhengHei" panose="020B0604030504040204" pitchFamily="34" charset="-120"/>
-                <a:ea typeface="Microsoft JhengHei" panose="020B0604030504040204" pitchFamily="34" charset="-120"/>
-              </a:rPr>
-              <a:t>一心仰望救主憐憫</a:t>
-            </a:r>
-          </a:p>
-          <a:p>
-            <a:pPr marL="0" indent="0" algn="ctr">
-              <a:buNone/>
-            </a:pPr>
-            <a:r>
-              <a:rPr lang="zh-CN" altLang="zh-TW" sz="5400" b="1" dirty="0">
-                <a:solidFill>
-                  <a:srgbClr val="002060"/>
-                </a:solidFill>
-                <a:latin typeface="Microsoft JhengHei" panose="020B0604030504040204" pitchFamily="34" charset="-120"/>
-                <a:ea typeface="Microsoft JhengHei" panose="020B0604030504040204" pitchFamily="34" charset="-120"/>
-              </a:rPr>
-              <a:t>篤信而不疑</a:t>
-            </a:r>
-          </a:p>
-        </p:txBody>
-      </p:sp>
-      <p:sp>
-        <p:nvSpPr>
-          <p:cNvPr id="6" name="Text Box 1"/>
+              <a:rPr lang="zh-CN" altLang="zh-TW" sz="6600" b="1" dirty="0">
+                <a:solidFill>
+                  <a:srgbClr val="000066"/>
+                </a:solidFill>
+                <a:latin typeface="Microsoft JhengHei" panose="020B0604030504040204" pitchFamily="34" charset="-120"/>
+                <a:ea typeface="Microsoft JhengHei" panose="020B0604030504040204" pitchFamily="34" charset="-120"/>
+              </a:rPr>
+              <a:t>使我亦沾恩</a:t>
+            </a:r>
+          </a:p>
+        </p:txBody>
+      </p:sp>
+      <p:sp>
+        <p:nvSpPr>
+          <p:cNvPr id="3" name="TextBox 2"/>
           <p:cNvSpPr txBox="1"/>
           <p:nvPr/>
         </p:nvSpPr>
         <p:spPr>
           <a:xfrm>
-            <a:off x="1343472" y="1700808"/>
-            <a:ext cx="1380490" cy="830997"/>
+            <a:off x="0" y="5061182"/>
+            <a:ext cx="12192000" cy="830997"/>
           </a:xfrm>
           <a:prstGeom prst="rect">
             <a:avLst/>
           </a:prstGeom>
           <a:noFill/>
-          <a:ln w="9525">
-            <a:noFill/>
-            <a:miter lim="800000"/>
-          </a:ln>
         </p:spPr>
         <p:txBody>
-          <a:bodyPr wrap="square">
+          <a:bodyPr wrap="square" rtlCol="0">
             <a:spAutoFit/>
           </a:bodyPr>
           <a:lstStyle/>
@@ -4260,22 +4845,14 @@
             <a:r>
               <a:rPr lang="en-US" sz="4800" b="1" dirty="0">
                 <a:solidFill>
-                  <a:srgbClr val="002060"/>
-                </a:solidFill>
-              </a:rPr>
-              <a:t>2</a:t>
-            </a:r>
-            <a:r>
-              <a:rPr lang="en-US" sz="4800" b="1" dirty="0" smtClean="0">
-                <a:solidFill>
-                  <a:srgbClr val="002060"/>
-                </a:solidFill>
-              </a:rPr>
-              <a:t>.</a:t>
-            </a:r>
-            <a:endParaRPr lang="en-US" sz="4800" b="1" dirty="0">
+                  <a:srgbClr val="000066"/>
+                </a:solidFill>
+              </a:rPr>
+              <a:t>( 1 )</a:t>
+            </a:r>
+            <a:endParaRPr lang="vi-VN" sz="4800" b="1" dirty="0">
               <a:solidFill>
-                <a:srgbClr val="002060"/>
+                <a:srgbClr val="000066"/>
               </a:solidFill>
             </a:endParaRPr>
           </a:p>
@@ -4284,13 +4861,20 @@
     </p:spTree>
     <p:extLst>
       <p:ext uri="{BB962C8B-B14F-4D97-AF65-F5344CB8AC3E}">
-        <p14:creationId xmlns:p14="http://schemas.microsoft.com/office/powerpoint/2010/main" val="561712934"/>
+        <p14:creationId xmlns:p14="http://schemas.microsoft.com/office/powerpoint/2010/main" val="1740399151"/>
       </p:ext>
     </p:extLst>
   </p:cSld>
   <p:clrMapOvr>
     <a:masterClrMapping/>
   </p:clrMapOvr>
+  <p:timing>
+    <p:tnLst>
+      <p:par>
+        <p:cTn id="1" dur="indefinite" restart="never" nodeType="tmRoot"/>
+      </p:par>
+    </p:tnLst>
+  </p:timing>
 </p:sld>
 </file>
 
@@ -4313,83 +4897,88 @@
       </p:grpSpPr>
       <p:sp>
         <p:nvSpPr>
-          <p:cNvPr id="4" name="Title 3"/>
-          <p:cNvSpPr>
-            <a:spLocks noGrp="1"/>
-          </p:cNvSpPr>
-          <p:nvPr>
-            <p:ph type="title"/>
-          </p:nvPr>
-        </p:nvSpPr>
-        <p:spPr/>
-        <p:txBody>
-          <a:bodyPr>
+          <p:cNvPr id="5" name="內容版面配置區 4"/>
+          <p:cNvSpPr>
+            <a:spLocks noGrp="1"/>
+          </p:cNvSpPr>
+          <p:nvPr>
+            <p:ph idx="1"/>
+          </p:nvPr>
+        </p:nvSpPr>
+        <p:spPr>
+          <a:xfrm>
+            <a:off x="0" y="2084851"/>
+            <a:ext cx="12192000" cy="2404863"/>
+          </a:xfrm>
+        </p:spPr>
+        <p:txBody>
+          <a:bodyPr anchor="ctr">
             <a:normAutofit/>
           </a:bodyPr>
           <a:lstStyle/>
           <a:p>
-            <a:r>
-              <a:rPr lang="en-US" altLang="zh-TW" sz="4800" b="1" dirty="0">
-                <a:solidFill>
-                  <a:srgbClr val="002060"/>
-                </a:solidFill>
-                <a:latin typeface="Microsoft JhengHei" panose="020B0604030504040204" pitchFamily="34" charset="-120"/>
-                <a:ea typeface="Microsoft JhengHei" panose="020B0604030504040204" pitchFamily="34" charset="-120"/>
-              </a:rPr>
-              <a:t>【</a:t>
-            </a:r>
-            <a:r>
-              <a:rPr lang="zh-TW" altLang="en-US" sz="4800" b="1" dirty="0">
-                <a:solidFill>
-                  <a:srgbClr val="002060"/>
-                </a:solidFill>
-                <a:latin typeface="Microsoft JhengHei" panose="020B0604030504040204" pitchFamily="34" charset="-120"/>
-                <a:ea typeface="Microsoft JhengHei" panose="020B0604030504040204" pitchFamily="34" charset="-120"/>
-              </a:rPr>
-              <a:t>懇求救主格外垂憐</a:t>
-            </a:r>
-            <a:r>
-              <a:rPr lang="en-US" altLang="zh-TW" sz="4800" b="1" dirty="0">
-                <a:solidFill>
-                  <a:srgbClr val="002060"/>
-                </a:solidFill>
-                <a:latin typeface="Microsoft JhengHei" panose="020B0604030504040204" pitchFamily="34" charset="-120"/>
-                <a:ea typeface="Microsoft JhengHei" panose="020B0604030504040204" pitchFamily="34" charset="-120"/>
-              </a:rPr>
-              <a:t>】</a:t>
-            </a:r>
-          </a:p>
-        </p:txBody>
-      </p:sp>
-      <p:sp>
-        <p:nvSpPr>
-          <p:cNvPr id="5" name="Content Placeholder 4"/>
-          <p:cNvSpPr>
-            <a:spLocks noGrp="1"/>
-          </p:cNvSpPr>
-          <p:nvPr>
-            <p:ph idx="1"/>
-          </p:nvPr>
-        </p:nvSpPr>
-        <p:spPr/>
-        <p:txBody>
-          <a:bodyPr>
-            <a:normAutofit/>
-          </a:bodyPr>
-          <a:lstStyle/>
-          <a:p>
             <a:pPr marL="0" indent="0" algn="ctr">
               <a:buNone/>
             </a:pPr>
             <a:r>
-              <a:rPr lang="zh-CN" altLang="zh-TW" sz="5400" b="1" dirty="0">
-                <a:solidFill>
-                  <a:srgbClr val="002060"/>
-                </a:solidFill>
-                <a:latin typeface="Microsoft JhengHei" panose="020B0604030504040204" pitchFamily="34" charset="-120"/>
-                <a:ea typeface="Microsoft JhengHei" panose="020B0604030504040204" pitchFamily="34" charset="-120"/>
-              </a:rPr>
-              <a:t>親愛救主</a:t>
+              <a:rPr lang="zh-CN" altLang="zh-TW" sz="6600" b="1" dirty="0">
+                <a:solidFill>
+                  <a:srgbClr val="000066"/>
+                </a:solidFill>
+                <a:latin typeface="Microsoft JhengHei" panose="020B0604030504040204" pitchFamily="34" charset="-120"/>
+                <a:ea typeface="Microsoft JhengHei" panose="020B0604030504040204" pitchFamily="34" charset="-120"/>
+              </a:rPr>
+              <a:t>親愛救</a:t>
+            </a:r>
+            <a:r>
+              <a:rPr lang="zh-CN" altLang="zh-TW" sz="6600" b="1" dirty="0">
+                <a:solidFill>
+                  <a:srgbClr val="000066"/>
+                </a:solidFill>
+                <a:latin typeface="Microsoft JhengHei" panose="020B0604030504040204" pitchFamily="34" charset="-120"/>
+                <a:ea typeface="Microsoft JhengHei" panose="020B0604030504040204" pitchFamily="34" charset="-120"/>
+              </a:rPr>
+              <a:t>主</a:t>
+            </a:r>
+            <a:r>
+              <a:rPr lang="en-US" altLang="zh-CN" sz="6600" b="1" dirty="0">
+                <a:solidFill>
+                  <a:srgbClr val="000066"/>
+                </a:solidFill>
+                <a:latin typeface="Microsoft JhengHei" panose="020B0604030504040204" pitchFamily="34" charset="-120"/>
+                <a:ea typeface="Microsoft JhengHei" panose="020B0604030504040204" pitchFamily="34" charset="-120"/>
+              </a:rPr>
+              <a:t>  </a:t>
+            </a:r>
+            <a:r>
+              <a:rPr lang="en-US" altLang="zh-CN" sz="6600" b="1" dirty="0" smtClean="0">
+                <a:solidFill>
+                  <a:srgbClr val="000066"/>
+                </a:solidFill>
+                <a:latin typeface="Microsoft JhengHei" panose="020B0604030504040204" pitchFamily="34" charset="-120"/>
+                <a:ea typeface="Microsoft JhengHei" panose="020B0604030504040204" pitchFamily="34" charset="-120"/>
+              </a:rPr>
+              <a:t> </a:t>
+            </a:r>
+            <a:r>
+              <a:rPr lang="zh-CN" altLang="zh-TW" sz="6600" b="1" dirty="0" smtClean="0">
+                <a:solidFill>
+                  <a:srgbClr val="000066"/>
+                </a:solidFill>
+                <a:latin typeface="Microsoft JhengHei" panose="020B0604030504040204" pitchFamily="34" charset="-120"/>
+                <a:ea typeface="Microsoft JhengHei" panose="020B0604030504040204" pitchFamily="34" charset="-120"/>
+              </a:rPr>
+              <a:t>請</a:t>
+            </a:r>
+            <a:r>
+              <a:rPr lang="zh-CN" altLang="zh-TW" sz="6600" b="1" dirty="0">
+                <a:solidFill>
+                  <a:srgbClr val="000066"/>
+                </a:solidFill>
+                <a:latin typeface="Microsoft JhengHei" panose="020B0604030504040204" pitchFamily="34" charset="-120"/>
+                <a:ea typeface="Microsoft JhengHei" panose="020B0604030504040204" pitchFamily="34" charset="-120"/>
+              </a:rPr>
+              <a:t>聽我禱告</a:t>
             </a:r>
           </a:p>
           <a:p>
@@ -4397,24 +4986,9 @@
               <a:buNone/>
             </a:pPr>
             <a:r>
-              <a:rPr lang="zh-CN" altLang="zh-TW" sz="5400" b="1" dirty="0">
-                <a:solidFill>
-                  <a:srgbClr val="002060"/>
-                </a:solidFill>
-                <a:latin typeface="Microsoft JhengHei" panose="020B0604030504040204" pitchFamily="34" charset="-120"/>
-                <a:ea typeface="Microsoft JhengHei" panose="020B0604030504040204" pitchFamily="34" charset="-120"/>
-              </a:rPr>
-              <a:t>請聽我禱告</a:t>
-            </a:r>
-          </a:p>
-          <a:p>
-            <a:pPr marL="0" indent="0" algn="ctr">
-              <a:buNone/>
-            </a:pPr>
-            <a:r>
-              <a:rPr lang="zh-CN" altLang="zh-TW" sz="5400" b="1" dirty="0">
-                <a:solidFill>
-                  <a:srgbClr val="002060"/>
+              <a:rPr lang="zh-CN" altLang="zh-TW" sz="6600" b="1" dirty="0">
+                <a:solidFill>
+                  <a:srgbClr val="000066"/>
                 </a:solidFill>
                 <a:latin typeface="Microsoft JhengHei" panose="020B0604030504040204" pitchFamily="34" charset="-120"/>
                 <a:ea typeface="Microsoft JhengHei" panose="020B0604030504040204" pitchFamily="34" charset="-120"/>
@@ -4422,59 +4996,98 @@
               <a:t>既有別人</a:t>
             </a:r>
             <a:r>
-              <a:rPr lang="zh-CN" altLang="zh-TW" sz="5400" b="1" dirty="0">
-                <a:solidFill>
-                  <a:srgbClr val="002060"/>
+              <a:rPr lang="zh-CN" altLang="zh-TW" sz="6600" b="1" dirty="0">
+                <a:solidFill>
+                  <a:srgbClr val="000066"/>
                 </a:solidFill>
                 <a:latin typeface="Microsoft JhengHei" panose="020B0604030504040204" pitchFamily="34" charset="-120"/>
                 <a:ea typeface="Microsoft JhengHei" panose="020B0604030504040204" pitchFamily="34" charset="-120"/>
                 <a:sym typeface="+mn-ea"/>
               </a:rPr>
-              <a:t>蒙主應允</a:t>
-            </a:r>
-            <a:endParaRPr lang="zh-CN" altLang="zh-TW" sz="5400" b="1" dirty="0">
+              <a:t>蒙主應</a:t>
+            </a:r>
+            <a:r>
+              <a:rPr lang="zh-CN" altLang="zh-TW" sz="6600" b="1" dirty="0">
+                <a:solidFill>
+                  <a:srgbClr val="000066"/>
+                </a:solidFill>
+                <a:latin typeface="Microsoft JhengHei" panose="020B0604030504040204" pitchFamily="34" charset="-120"/>
+                <a:ea typeface="Microsoft JhengHei" panose="020B0604030504040204" pitchFamily="34" charset="-120"/>
+                <a:sym typeface="+mn-ea"/>
+              </a:rPr>
+              <a:t>允</a:t>
+            </a:r>
+            <a:r>
+              <a:rPr lang="en-US" altLang="zh-CN" sz="6600" b="1" dirty="0">
+                <a:solidFill>
+                  <a:srgbClr val="000066"/>
+                </a:solidFill>
+                <a:latin typeface="Microsoft JhengHei" panose="020B0604030504040204" pitchFamily="34" charset="-120"/>
+                <a:ea typeface="Microsoft JhengHei" panose="020B0604030504040204" pitchFamily="34" charset="-120"/>
+                <a:sym typeface="+mn-ea"/>
+              </a:rPr>
+              <a:t> </a:t>
+            </a:r>
+            <a:r>
+              <a:rPr lang="en-US" altLang="zh-CN" sz="6600" b="1" dirty="0" smtClean="0">
+                <a:solidFill>
+                  <a:srgbClr val="000066"/>
+                </a:solidFill>
+                <a:latin typeface="Microsoft JhengHei" panose="020B0604030504040204" pitchFamily="34" charset="-120"/>
+                <a:ea typeface="Microsoft JhengHei" panose="020B0604030504040204" pitchFamily="34" charset="-120"/>
+                <a:sym typeface="+mn-ea"/>
+              </a:rPr>
+              <a:t>  </a:t>
+            </a:r>
+            <a:r>
+              <a:rPr lang="zh-CN" altLang="zh-TW" sz="6600" b="1" dirty="0">
+                <a:solidFill>
+                  <a:srgbClr val="000066"/>
+                </a:solidFill>
+                <a:latin typeface="Microsoft JhengHei" panose="020B0604030504040204" pitchFamily="34" charset="-120"/>
+                <a:ea typeface="Microsoft JhengHei" panose="020B0604030504040204" pitchFamily="34" charset="-120"/>
+                <a:sym typeface="+mn-ea"/>
+              </a:rPr>
+              <a:t>使</a:t>
+            </a:r>
+            <a:r>
+              <a:rPr lang="zh-CN" altLang="zh-TW" sz="6600" b="1" dirty="0">
+                <a:solidFill>
+                  <a:srgbClr val="000066"/>
+                </a:solidFill>
+                <a:latin typeface="Microsoft JhengHei" panose="020B0604030504040204" pitchFamily="34" charset="-120"/>
+                <a:ea typeface="Microsoft JhengHei" panose="020B0604030504040204" pitchFamily="34" charset="-120"/>
+                <a:sym typeface="+mn-ea"/>
+              </a:rPr>
+              <a:t>我亦沾恩</a:t>
+            </a:r>
+            <a:endParaRPr lang="zh-CN" altLang="zh-TW" sz="6600" b="1" dirty="0">
               <a:solidFill>
-                <a:srgbClr val="002060"/>
+                <a:srgbClr val="000066"/>
               </a:solidFill>
               <a:latin typeface="Microsoft JhengHei" panose="020B0604030504040204" pitchFamily="34" charset="-120"/>
               <a:ea typeface="Microsoft JhengHei" panose="020B0604030504040204" pitchFamily="34" charset="-120"/>
             </a:endParaRPr>
           </a:p>
-          <a:p>
-            <a:pPr marL="0" indent="0" algn="ctr">
-              <a:buNone/>
-            </a:pPr>
-            <a:r>
-              <a:rPr lang="zh-CN" altLang="zh-TW" sz="5400" b="1" dirty="0">
-                <a:solidFill>
-                  <a:srgbClr val="002060"/>
-                </a:solidFill>
-                <a:latin typeface="Microsoft JhengHei" panose="020B0604030504040204" pitchFamily="34" charset="-120"/>
-                <a:ea typeface="Microsoft JhengHei" panose="020B0604030504040204" pitchFamily="34" charset="-120"/>
-                <a:sym typeface="+mn-ea"/>
-              </a:rPr>
-              <a:t>使我亦沾恩</a:t>
-            </a:r>
-            <a:endParaRPr lang="zh-CN" altLang="zh-TW" sz="5400" b="1" dirty="0">
-              <a:solidFill>
-                <a:srgbClr val="002060"/>
-              </a:solidFill>
-              <a:latin typeface="Microsoft JhengHei" panose="020B0604030504040204" pitchFamily="34" charset="-120"/>
-              <a:ea typeface="Microsoft JhengHei" panose="020B0604030504040204" pitchFamily="34" charset="-120"/>
-            </a:endParaRPr>
-          </a:p>
         </p:txBody>
       </p:sp>
     </p:spTree>
     <p:extLst>
       <p:ext uri="{BB962C8B-B14F-4D97-AF65-F5344CB8AC3E}">
-        <p14:creationId xmlns:p14="http://schemas.microsoft.com/office/powerpoint/2010/main" val="3856528981"/>
+        <p14:creationId xmlns:p14="http://schemas.microsoft.com/office/powerpoint/2010/main" val="1713068278"/>
       </p:ext>
     </p:extLst>
   </p:cSld>
   <p:clrMapOvr>
     <a:masterClrMapping/>
   </p:clrMapOvr>
+  <p:timing>
+    <p:tnLst>
+      <p:par>
+        <p:cTn id="1" dur="indefinite" restart="never" nodeType="tmRoot"/>
+      </p:par>
+    </p:tnLst>
+  </p:timing>
 </p:sld>
 </file>
 
@@ -4497,83 +5110,38 @@
       </p:grpSpPr>
       <p:sp>
         <p:nvSpPr>
-          <p:cNvPr id="4" name="Title 3"/>
-          <p:cNvSpPr>
-            <a:spLocks noGrp="1"/>
-          </p:cNvSpPr>
-          <p:nvPr>
-            <p:ph type="title"/>
-          </p:nvPr>
-        </p:nvSpPr>
-        <p:spPr/>
-        <p:txBody>
-          <a:bodyPr>
+          <p:cNvPr id="5" name="內容版面配置區 4"/>
+          <p:cNvSpPr>
+            <a:spLocks noGrp="1"/>
+          </p:cNvSpPr>
+          <p:nvPr>
+            <p:ph idx="1"/>
+          </p:nvPr>
+        </p:nvSpPr>
+        <p:spPr>
+          <a:xfrm>
+            <a:off x="0" y="2084851"/>
+            <a:ext cx="12192000" cy="2404863"/>
+          </a:xfrm>
+        </p:spPr>
+        <p:txBody>
+          <a:bodyPr anchor="ctr">
             <a:normAutofit/>
           </a:bodyPr>
           <a:lstStyle/>
           <a:p>
-            <a:r>
-              <a:rPr lang="en-US" altLang="zh-TW" sz="4800" b="1" dirty="0">
-                <a:solidFill>
-                  <a:srgbClr val="002060"/>
-                </a:solidFill>
-                <a:latin typeface="Microsoft JhengHei" panose="020B0604030504040204" pitchFamily="34" charset="-120"/>
-                <a:ea typeface="Microsoft JhengHei" panose="020B0604030504040204" pitchFamily="34" charset="-120"/>
-              </a:rPr>
-              <a:t>【</a:t>
-            </a:r>
-            <a:r>
-              <a:rPr lang="zh-TW" altLang="en-US" sz="4800" b="1" dirty="0">
-                <a:solidFill>
-                  <a:srgbClr val="002060"/>
-                </a:solidFill>
-                <a:latin typeface="Microsoft JhengHei" panose="020B0604030504040204" pitchFamily="34" charset="-120"/>
-                <a:ea typeface="Microsoft JhengHei" panose="020B0604030504040204" pitchFamily="34" charset="-120"/>
-              </a:rPr>
-              <a:t>懇求救主格外垂憐</a:t>
-            </a:r>
-            <a:r>
-              <a:rPr lang="en-US" altLang="zh-TW" sz="4800" b="1" dirty="0">
-                <a:solidFill>
-                  <a:srgbClr val="002060"/>
-                </a:solidFill>
-                <a:latin typeface="Microsoft JhengHei" panose="020B0604030504040204" pitchFamily="34" charset="-120"/>
-                <a:ea typeface="Microsoft JhengHei" panose="020B0604030504040204" pitchFamily="34" charset="-120"/>
-              </a:rPr>
-              <a:t>】</a:t>
-            </a:r>
-          </a:p>
-        </p:txBody>
-      </p:sp>
-      <p:sp>
-        <p:nvSpPr>
-          <p:cNvPr id="5" name="Content Placeholder 4"/>
-          <p:cNvSpPr>
-            <a:spLocks noGrp="1"/>
-          </p:cNvSpPr>
-          <p:nvPr>
-            <p:ph idx="1"/>
-          </p:nvPr>
-        </p:nvSpPr>
-        <p:spPr/>
-        <p:txBody>
-          <a:bodyPr>
-            <a:normAutofit/>
-          </a:bodyPr>
-          <a:lstStyle/>
-          <a:p>
             <a:pPr marL="0" indent="0" algn="ctr">
               <a:buNone/>
             </a:pPr>
             <a:r>
-              <a:rPr lang="zh-CN" altLang="zh-TW" sz="5400" b="1" dirty="0">
-                <a:solidFill>
-                  <a:srgbClr val="002060"/>
-                </a:solidFill>
-                <a:latin typeface="Microsoft JhengHei" panose="020B0604030504040204" pitchFamily="34" charset="-120"/>
-                <a:ea typeface="Microsoft JhengHei" panose="020B0604030504040204" pitchFamily="34" charset="-120"/>
-              </a:rPr>
-              <a:t>今只靠託我主功勞</a:t>
+              <a:rPr lang="zh-CN" altLang="zh-TW" sz="6600" b="1" dirty="0">
+                <a:solidFill>
+                  <a:srgbClr val="000066"/>
+                </a:solidFill>
+                <a:latin typeface="Microsoft JhengHei" panose="020B0604030504040204" pitchFamily="34" charset="-120"/>
+                <a:ea typeface="Microsoft JhengHei" panose="020B0604030504040204" pitchFamily="34" charset="-120"/>
+              </a:rPr>
+              <a:t>讓我進到恩主台前</a:t>
             </a:r>
           </a:p>
           <a:p>
@@ -4581,70 +5149,43 @@
               <a:buNone/>
             </a:pPr>
             <a:r>
-              <a:rPr lang="zh-CN" altLang="zh-TW" sz="5400" b="1" dirty="0">
-                <a:solidFill>
-                  <a:srgbClr val="002060"/>
-                </a:solidFill>
-                <a:latin typeface="Microsoft JhengHei" panose="020B0604030504040204" pitchFamily="34" charset="-120"/>
-                <a:ea typeface="Microsoft JhengHei" panose="020B0604030504040204" pitchFamily="34" charset="-120"/>
-              </a:rPr>
-              <a:t>纔敢尋主面</a:t>
-            </a:r>
-          </a:p>
-          <a:p>
-            <a:pPr marL="0" indent="0" algn="ctr">
-              <a:buNone/>
-            </a:pPr>
-            <a:r>
-              <a:rPr lang="zh-CN" altLang="zh-TW" sz="5400" b="1" dirty="0">
-                <a:solidFill>
-                  <a:srgbClr val="002060"/>
-                </a:solidFill>
-                <a:latin typeface="Microsoft JhengHei" panose="020B0604030504040204" pitchFamily="34" charset="-120"/>
-                <a:ea typeface="Microsoft JhengHei" panose="020B0604030504040204" pitchFamily="34" charset="-120"/>
-              </a:rPr>
-              <a:t>心中悲傷求主醫治</a:t>
-            </a:r>
-          </a:p>
-          <a:p>
-            <a:pPr marL="0" indent="0" algn="ctr">
-              <a:buNone/>
-            </a:pPr>
-            <a:r>
-              <a:rPr lang="zh-CN" altLang="zh-TW" sz="5400" b="1" dirty="0">
-                <a:solidFill>
-                  <a:srgbClr val="002060"/>
-                </a:solidFill>
-                <a:latin typeface="Microsoft JhengHei" panose="020B0604030504040204" pitchFamily="34" charset="-120"/>
-                <a:ea typeface="Microsoft JhengHei" panose="020B0604030504040204" pitchFamily="34" charset="-120"/>
-              </a:rPr>
-              <a:t>顯出大恩典</a:t>
-            </a:r>
-          </a:p>
-        </p:txBody>
-      </p:sp>
-      <p:sp>
-        <p:nvSpPr>
-          <p:cNvPr id="6" name="Text Box 1"/>
+              <a:rPr lang="zh-CN" altLang="zh-TW" sz="6600" b="1" dirty="0">
+                <a:solidFill>
+                  <a:srgbClr val="000066"/>
+                </a:solidFill>
+                <a:latin typeface="Microsoft JhengHei" panose="020B0604030504040204" pitchFamily="34" charset="-120"/>
+                <a:ea typeface="Microsoft JhengHei" panose="020B0604030504040204" pitchFamily="34" charset="-120"/>
+              </a:rPr>
+              <a:t>永遠不相離</a:t>
+            </a:r>
+            <a:endParaRPr lang="zh-CN" altLang="zh-TW" sz="6600" b="1" dirty="0">
+              <a:solidFill>
+                <a:srgbClr val="000066"/>
+              </a:solidFill>
+              <a:latin typeface="Microsoft JhengHei" panose="020B0604030504040204" pitchFamily="34" charset="-120"/>
+              <a:ea typeface="Microsoft JhengHei" panose="020B0604030504040204" pitchFamily="34" charset="-120"/>
+            </a:endParaRPr>
+          </a:p>
+        </p:txBody>
+      </p:sp>
+      <p:sp>
+        <p:nvSpPr>
+          <p:cNvPr id="3" name="TextBox 2"/>
           <p:cNvSpPr txBox="1"/>
           <p:nvPr/>
         </p:nvSpPr>
         <p:spPr>
           <a:xfrm>
-            <a:off x="1343472" y="1700808"/>
-            <a:ext cx="1380490" cy="830997"/>
+            <a:off x="0" y="5061182"/>
+            <a:ext cx="12192000" cy="830997"/>
           </a:xfrm>
           <a:prstGeom prst="rect">
             <a:avLst/>
           </a:prstGeom>
           <a:noFill/>
-          <a:ln w="9525">
-            <a:noFill/>
-            <a:miter lim="800000"/>
-          </a:ln>
         </p:spPr>
         <p:txBody>
-          <a:bodyPr wrap="square">
+          <a:bodyPr wrap="square" rtlCol="0">
             <a:spAutoFit/>
           </a:bodyPr>
           <a:lstStyle/>
@@ -4653,22 +5194,30 @@
             <a:r>
               <a:rPr lang="en-US" sz="4800" b="1" dirty="0">
                 <a:solidFill>
-                  <a:srgbClr val="002060"/>
-                </a:solidFill>
-              </a:rPr>
-              <a:t>3</a:t>
+                  <a:srgbClr val="000066"/>
+                </a:solidFill>
+              </a:rPr>
+              <a:t>( </a:t>
             </a:r>
             <a:r>
               <a:rPr lang="en-US" sz="4800" b="1" dirty="0" smtClean="0">
                 <a:solidFill>
-                  <a:srgbClr val="002060"/>
-                </a:solidFill>
-              </a:rPr>
-              <a:t>.</a:t>
-            </a:r>
-            <a:endParaRPr lang="en-US" sz="4800" b="1" dirty="0">
+                  <a:srgbClr val="000066"/>
+                </a:solidFill>
+              </a:rPr>
+              <a:t>2 </a:t>
+            </a:r>
+            <a:r>
+              <a:rPr lang="en-US" sz="4800" b="1" dirty="0">
+                <a:solidFill>
+                  <a:srgbClr val="000066"/>
+                </a:solidFill>
+              </a:rPr>
+              <a:t>)</a:t>
+            </a:r>
+            <a:endParaRPr lang="vi-VN" sz="4800" b="1" dirty="0">
               <a:solidFill>
-                <a:srgbClr val="002060"/>
+                <a:srgbClr val="000066"/>
               </a:solidFill>
             </a:endParaRPr>
           </a:p>
@@ -4677,13 +5226,20 @@
     </p:spTree>
     <p:extLst>
       <p:ext uri="{BB962C8B-B14F-4D97-AF65-F5344CB8AC3E}">
-        <p14:creationId xmlns:p14="http://schemas.microsoft.com/office/powerpoint/2010/main" val="224079056"/>
+        <p14:creationId xmlns:p14="http://schemas.microsoft.com/office/powerpoint/2010/main" val="74966991"/>
       </p:ext>
     </p:extLst>
   </p:cSld>
   <p:clrMapOvr>
     <a:masterClrMapping/>
   </p:clrMapOvr>
+  <p:timing>
+    <p:tnLst>
+      <p:par>
+        <p:cTn id="1" dur="indefinite" restart="never" nodeType="tmRoot"/>
+      </p:par>
+    </p:tnLst>
+  </p:timing>
 </p:sld>
 </file>
 
@@ -4706,83 +5262,38 @@
       </p:grpSpPr>
       <p:sp>
         <p:nvSpPr>
-          <p:cNvPr id="4" name="Title 3"/>
-          <p:cNvSpPr>
-            <a:spLocks noGrp="1"/>
-          </p:cNvSpPr>
-          <p:nvPr>
-            <p:ph type="title"/>
-          </p:nvPr>
-        </p:nvSpPr>
-        <p:spPr/>
-        <p:txBody>
-          <a:bodyPr>
+          <p:cNvPr id="5" name="內容版面配置區 4"/>
+          <p:cNvSpPr>
+            <a:spLocks noGrp="1"/>
+          </p:cNvSpPr>
+          <p:nvPr>
+            <p:ph idx="1"/>
+          </p:nvPr>
+        </p:nvSpPr>
+        <p:spPr>
+          <a:xfrm>
+            <a:off x="0" y="2084851"/>
+            <a:ext cx="12192000" cy="2404863"/>
+          </a:xfrm>
+        </p:spPr>
+        <p:txBody>
+          <a:bodyPr anchor="ctr">
             <a:normAutofit/>
           </a:bodyPr>
           <a:lstStyle/>
           <a:p>
-            <a:r>
-              <a:rPr lang="en-US" altLang="zh-TW" sz="4800" b="1" dirty="0">
-                <a:solidFill>
-                  <a:srgbClr val="002060"/>
-                </a:solidFill>
-                <a:latin typeface="Microsoft JhengHei" panose="020B0604030504040204" pitchFamily="34" charset="-120"/>
-                <a:ea typeface="Microsoft JhengHei" panose="020B0604030504040204" pitchFamily="34" charset="-120"/>
-              </a:rPr>
-              <a:t>【</a:t>
-            </a:r>
-            <a:r>
-              <a:rPr lang="zh-TW" altLang="en-US" sz="4800" b="1" dirty="0">
-                <a:solidFill>
-                  <a:srgbClr val="002060"/>
-                </a:solidFill>
-                <a:latin typeface="Microsoft JhengHei" panose="020B0604030504040204" pitchFamily="34" charset="-120"/>
-                <a:ea typeface="Microsoft JhengHei" panose="020B0604030504040204" pitchFamily="34" charset="-120"/>
-              </a:rPr>
-              <a:t>懇求救主格外垂憐</a:t>
-            </a:r>
-            <a:r>
-              <a:rPr lang="en-US" altLang="zh-TW" sz="4800" b="1" dirty="0">
-                <a:solidFill>
-                  <a:srgbClr val="002060"/>
-                </a:solidFill>
-                <a:latin typeface="Microsoft JhengHei" panose="020B0604030504040204" pitchFamily="34" charset="-120"/>
-                <a:ea typeface="Microsoft JhengHei" panose="020B0604030504040204" pitchFamily="34" charset="-120"/>
-              </a:rPr>
-              <a:t>】</a:t>
-            </a:r>
-          </a:p>
-        </p:txBody>
-      </p:sp>
-      <p:sp>
-        <p:nvSpPr>
-          <p:cNvPr id="5" name="Content Placeholder 4"/>
-          <p:cNvSpPr>
-            <a:spLocks noGrp="1"/>
-          </p:cNvSpPr>
-          <p:nvPr>
-            <p:ph idx="1"/>
-          </p:nvPr>
-        </p:nvSpPr>
-        <p:spPr/>
-        <p:txBody>
-          <a:bodyPr>
-            <a:normAutofit/>
-          </a:bodyPr>
-          <a:lstStyle/>
-          <a:p>
             <a:pPr marL="0" indent="0" algn="ctr">
               <a:buNone/>
             </a:pPr>
             <a:r>
-              <a:rPr lang="zh-CN" altLang="zh-TW" sz="5400" b="1" dirty="0">
-                <a:solidFill>
-                  <a:srgbClr val="002060"/>
-                </a:solidFill>
-                <a:latin typeface="Microsoft JhengHei" panose="020B0604030504040204" pitchFamily="34" charset="-120"/>
-                <a:ea typeface="Microsoft JhengHei" panose="020B0604030504040204" pitchFamily="34" charset="-120"/>
-              </a:rPr>
-              <a:t>親愛救主</a:t>
+              <a:rPr lang="zh-CN" altLang="zh-TW" sz="6600" b="1" dirty="0">
+                <a:solidFill>
+                  <a:srgbClr val="000066"/>
+                </a:solidFill>
+                <a:latin typeface="Microsoft JhengHei" panose="020B0604030504040204" pitchFamily="34" charset="-120"/>
+                <a:ea typeface="Microsoft JhengHei" panose="020B0604030504040204" pitchFamily="34" charset="-120"/>
+              </a:rPr>
+              <a:t>一心仰望救主憐憫</a:t>
             </a:r>
           </a:p>
           <a:p>
@@ -4790,70 +5301,76 @@
               <a:buNone/>
             </a:pPr>
             <a:r>
-              <a:rPr lang="zh-CN" altLang="zh-TW" sz="5400" b="1" dirty="0">
-                <a:solidFill>
-                  <a:srgbClr val="002060"/>
-                </a:solidFill>
-                <a:latin typeface="Microsoft JhengHei" panose="020B0604030504040204" pitchFamily="34" charset="-120"/>
-                <a:ea typeface="Microsoft JhengHei" panose="020B0604030504040204" pitchFamily="34" charset="-120"/>
-              </a:rPr>
-              <a:t>請聽我禱告</a:t>
-            </a:r>
-          </a:p>
-          <a:p>
-            <a:pPr marL="0" indent="0" algn="ctr">
-              <a:buNone/>
-            </a:pPr>
-            <a:r>
-              <a:rPr lang="zh-CN" altLang="zh-TW" sz="5400" b="1" dirty="0">
-                <a:solidFill>
-                  <a:srgbClr val="002060"/>
-                </a:solidFill>
-                <a:latin typeface="Microsoft JhengHei" panose="020B0604030504040204" pitchFamily="34" charset="-120"/>
-                <a:ea typeface="Microsoft JhengHei" panose="020B0604030504040204" pitchFamily="34" charset="-120"/>
-              </a:rPr>
-              <a:t>既有別人</a:t>
-            </a:r>
-            <a:r>
-              <a:rPr lang="zh-CN" altLang="zh-TW" sz="5400" b="1" dirty="0">
-                <a:solidFill>
-                  <a:srgbClr val="002060"/>
-                </a:solidFill>
-                <a:latin typeface="Microsoft JhengHei" panose="020B0604030504040204" pitchFamily="34" charset="-120"/>
-                <a:ea typeface="Microsoft JhengHei" panose="020B0604030504040204" pitchFamily="34" charset="-120"/>
-                <a:sym typeface="+mn-ea"/>
-              </a:rPr>
-              <a:t>蒙主應允</a:t>
-            </a:r>
-            <a:endParaRPr lang="zh-CN" altLang="zh-TW" sz="5400" b="1" dirty="0">
+              <a:rPr lang="zh-CN" altLang="zh-TW" sz="6600" b="1" dirty="0">
+                <a:solidFill>
+                  <a:srgbClr val="000066"/>
+                </a:solidFill>
+                <a:latin typeface="Microsoft JhengHei" panose="020B0604030504040204" pitchFamily="34" charset="-120"/>
+                <a:ea typeface="Microsoft JhengHei" panose="020B0604030504040204" pitchFamily="34" charset="-120"/>
+              </a:rPr>
+              <a:t>篤信而不疑</a:t>
+            </a:r>
+            <a:endParaRPr lang="zh-CN" altLang="zh-TW" sz="6600" b="1" dirty="0">
               <a:solidFill>
-                <a:srgbClr val="002060"/>
+                <a:srgbClr val="000066"/>
               </a:solidFill>
               <a:latin typeface="Microsoft JhengHei" panose="020B0604030504040204" pitchFamily="34" charset="-120"/>
               <a:ea typeface="Microsoft JhengHei" panose="020B0604030504040204" pitchFamily="34" charset="-120"/>
             </a:endParaRPr>
           </a:p>
-          <a:p>
-            <a:pPr marL="0" indent="0" algn="ctr">
-              <a:buNone/>
-            </a:pPr>
-            <a:r>
-              <a:rPr lang="zh-CN" altLang="zh-TW" sz="5400" b="1" dirty="0">
-                <a:solidFill>
-                  <a:srgbClr val="002060"/>
-                </a:solidFill>
-                <a:latin typeface="Microsoft JhengHei" panose="020B0604030504040204" pitchFamily="34" charset="-120"/>
-                <a:ea typeface="Microsoft JhengHei" panose="020B0604030504040204" pitchFamily="34" charset="-120"/>
-                <a:sym typeface="+mn-ea"/>
-              </a:rPr>
-              <a:t>使我亦沾恩</a:t>
-            </a:r>
-            <a:endParaRPr lang="zh-CN" altLang="zh-TW" sz="5400" b="1" dirty="0">
+        </p:txBody>
+      </p:sp>
+      <p:sp>
+        <p:nvSpPr>
+          <p:cNvPr id="3" name="TextBox 2"/>
+          <p:cNvSpPr txBox="1"/>
+          <p:nvPr/>
+        </p:nvSpPr>
+        <p:spPr>
+          <a:xfrm>
+            <a:off x="0" y="5061182"/>
+            <a:ext cx="12192000" cy="830997"/>
+          </a:xfrm>
+          <a:prstGeom prst="rect">
+            <a:avLst/>
+          </a:prstGeom>
+          <a:noFill/>
+        </p:spPr>
+        <p:txBody>
+          <a:bodyPr wrap="square" rtlCol="0">
+            <a:spAutoFit/>
+          </a:bodyPr>
+          <a:lstStyle/>
+          <a:p>
+            <a:pPr algn="ctr"/>
+            <a:r>
+              <a:rPr lang="en-US" sz="4800" b="1" dirty="0">
+                <a:solidFill>
+                  <a:srgbClr val="000066"/>
+                </a:solidFill>
+              </a:rPr>
+              <a:t>( </a:t>
+            </a:r>
+            <a:r>
+              <a:rPr lang="en-US" sz="4800" b="1" dirty="0" smtClean="0">
+                <a:solidFill>
+                  <a:srgbClr val="000066"/>
+                </a:solidFill>
+              </a:rPr>
+              <a:t>2 </a:t>
+            </a:r>
+            <a:r>
+              <a:rPr lang="en-US" sz="4800" b="1" dirty="0">
+                <a:solidFill>
+                  <a:srgbClr val="000066"/>
+                </a:solidFill>
+              </a:rPr>
+              <a:t>)</a:t>
+            </a:r>
+            <a:endParaRPr lang="vi-VN" sz="4800" b="1" dirty="0">
               <a:solidFill>
-                <a:srgbClr val="002060"/>
+                <a:srgbClr val="000066"/>
               </a:solidFill>
-              <a:latin typeface="Microsoft JhengHei" panose="020B0604030504040204" pitchFamily="34" charset="-120"/>
-              <a:ea typeface="Microsoft JhengHei" panose="020B0604030504040204" pitchFamily="34" charset="-120"/>
             </a:endParaRPr>
           </a:p>
         </p:txBody>
@@ -4861,13 +5378,20 @@
     </p:spTree>
     <p:extLst>
       <p:ext uri="{BB962C8B-B14F-4D97-AF65-F5344CB8AC3E}">
-        <p14:creationId xmlns:p14="http://schemas.microsoft.com/office/powerpoint/2010/main" val="3321879917"/>
+        <p14:creationId xmlns:p14="http://schemas.microsoft.com/office/powerpoint/2010/main" val="1503479618"/>
       </p:ext>
     </p:extLst>
   </p:cSld>
   <p:clrMapOvr>
     <a:masterClrMapping/>
   </p:clrMapOvr>
+  <p:timing>
+    <p:tnLst>
+      <p:par>
+        <p:cTn id="1" dur="indefinite" restart="never" nodeType="tmRoot"/>
+      </p:par>
+    </p:tnLst>
+  </p:timing>
 </p:sld>
 </file>
 
@@ -4890,83 +5414,88 @@
       </p:grpSpPr>
       <p:sp>
         <p:nvSpPr>
-          <p:cNvPr id="4" name="Title 3"/>
-          <p:cNvSpPr>
-            <a:spLocks noGrp="1"/>
-          </p:cNvSpPr>
-          <p:nvPr>
-            <p:ph type="title"/>
-          </p:nvPr>
-        </p:nvSpPr>
-        <p:spPr/>
-        <p:txBody>
-          <a:bodyPr>
+          <p:cNvPr id="5" name="內容版面配置區 4"/>
+          <p:cNvSpPr>
+            <a:spLocks noGrp="1"/>
+          </p:cNvSpPr>
+          <p:nvPr>
+            <p:ph idx="1"/>
+          </p:nvPr>
+        </p:nvSpPr>
+        <p:spPr>
+          <a:xfrm>
+            <a:off x="0" y="2084851"/>
+            <a:ext cx="12192000" cy="2404863"/>
+          </a:xfrm>
+        </p:spPr>
+        <p:txBody>
+          <a:bodyPr anchor="ctr">
             <a:normAutofit/>
           </a:bodyPr>
           <a:lstStyle/>
           <a:p>
-            <a:r>
-              <a:rPr lang="en-US" altLang="zh-TW" sz="4800" b="1" dirty="0">
-                <a:solidFill>
-                  <a:srgbClr val="002060"/>
-                </a:solidFill>
-                <a:latin typeface="Microsoft JhengHei" panose="020B0604030504040204" pitchFamily="34" charset="-120"/>
-                <a:ea typeface="Microsoft JhengHei" panose="020B0604030504040204" pitchFamily="34" charset="-120"/>
-              </a:rPr>
-              <a:t>【</a:t>
-            </a:r>
-            <a:r>
-              <a:rPr lang="zh-TW" altLang="en-US" sz="4800" b="1" dirty="0">
-                <a:solidFill>
-                  <a:srgbClr val="002060"/>
-                </a:solidFill>
-                <a:latin typeface="Microsoft JhengHei" panose="020B0604030504040204" pitchFamily="34" charset="-120"/>
-                <a:ea typeface="Microsoft JhengHei" panose="020B0604030504040204" pitchFamily="34" charset="-120"/>
-              </a:rPr>
-              <a:t>懇求救主格外垂憐</a:t>
-            </a:r>
-            <a:r>
-              <a:rPr lang="en-US" altLang="zh-TW" sz="4800" b="1" dirty="0">
-                <a:solidFill>
-                  <a:srgbClr val="002060"/>
-                </a:solidFill>
-                <a:latin typeface="Microsoft JhengHei" panose="020B0604030504040204" pitchFamily="34" charset="-120"/>
-                <a:ea typeface="Microsoft JhengHei" panose="020B0604030504040204" pitchFamily="34" charset="-120"/>
-              </a:rPr>
-              <a:t>】</a:t>
-            </a:r>
-          </a:p>
-        </p:txBody>
-      </p:sp>
-      <p:sp>
-        <p:nvSpPr>
-          <p:cNvPr id="5" name="Content Placeholder 4"/>
-          <p:cNvSpPr>
-            <a:spLocks noGrp="1"/>
-          </p:cNvSpPr>
-          <p:nvPr>
-            <p:ph idx="1"/>
-          </p:nvPr>
-        </p:nvSpPr>
-        <p:spPr/>
-        <p:txBody>
-          <a:bodyPr>
-            <a:normAutofit/>
-          </a:bodyPr>
-          <a:lstStyle/>
-          <a:p>
             <a:pPr marL="0" indent="0" algn="ctr">
               <a:buNone/>
             </a:pPr>
             <a:r>
-              <a:rPr lang="zh-CN" altLang="zh-TW" sz="5400" b="1" dirty="0">
-                <a:solidFill>
-                  <a:srgbClr val="002060"/>
-                </a:solidFill>
-                <a:latin typeface="Microsoft JhengHei" panose="020B0604030504040204" pitchFamily="34" charset="-120"/>
-                <a:ea typeface="Microsoft JhengHei" panose="020B0604030504040204" pitchFamily="34" charset="-120"/>
-              </a:rPr>
-              <a:t>救主是我平安根源</a:t>
+              <a:rPr lang="zh-CN" altLang="zh-TW" sz="6600" b="1" dirty="0">
+                <a:solidFill>
+                  <a:srgbClr val="000066"/>
+                </a:solidFill>
+                <a:latin typeface="Microsoft JhengHei" panose="020B0604030504040204" pitchFamily="34" charset="-120"/>
+                <a:ea typeface="Microsoft JhengHei" panose="020B0604030504040204" pitchFamily="34" charset="-120"/>
+              </a:rPr>
+              <a:t>親愛救</a:t>
+            </a:r>
+            <a:r>
+              <a:rPr lang="zh-CN" altLang="zh-TW" sz="6600" b="1" dirty="0">
+                <a:solidFill>
+                  <a:srgbClr val="000066"/>
+                </a:solidFill>
+                <a:latin typeface="Microsoft JhengHei" panose="020B0604030504040204" pitchFamily="34" charset="-120"/>
+                <a:ea typeface="Microsoft JhengHei" panose="020B0604030504040204" pitchFamily="34" charset="-120"/>
+              </a:rPr>
+              <a:t>主</a:t>
+            </a:r>
+            <a:r>
+              <a:rPr lang="en-US" altLang="zh-CN" sz="6600" b="1" dirty="0">
+                <a:solidFill>
+                  <a:srgbClr val="000066"/>
+                </a:solidFill>
+                <a:latin typeface="Microsoft JhengHei" panose="020B0604030504040204" pitchFamily="34" charset="-120"/>
+                <a:ea typeface="Microsoft JhengHei" panose="020B0604030504040204" pitchFamily="34" charset="-120"/>
+              </a:rPr>
+              <a:t>  </a:t>
+            </a:r>
+            <a:r>
+              <a:rPr lang="en-US" altLang="zh-CN" sz="6600" b="1" dirty="0" smtClean="0">
+                <a:solidFill>
+                  <a:srgbClr val="000066"/>
+                </a:solidFill>
+                <a:latin typeface="Microsoft JhengHei" panose="020B0604030504040204" pitchFamily="34" charset="-120"/>
+                <a:ea typeface="Microsoft JhengHei" panose="020B0604030504040204" pitchFamily="34" charset="-120"/>
+              </a:rPr>
+              <a:t> </a:t>
+            </a:r>
+            <a:r>
+              <a:rPr lang="zh-CN" altLang="zh-TW" sz="6600" b="1" dirty="0" smtClean="0">
+                <a:solidFill>
+                  <a:srgbClr val="000066"/>
+                </a:solidFill>
+                <a:latin typeface="Microsoft JhengHei" panose="020B0604030504040204" pitchFamily="34" charset="-120"/>
+                <a:ea typeface="Microsoft JhengHei" panose="020B0604030504040204" pitchFamily="34" charset="-120"/>
+              </a:rPr>
+              <a:t>請</a:t>
+            </a:r>
+            <a:r>
+              <a:rPr lang="zh-CN" altLang="zh-TW" sz="6600" b="1" dirty="0">
+                <a:solidFill>
+                  <a:srgbClr val="000066"/>
+                </a:solidFill>
+                <a:latin typeface="Microsoft JhengHei" panose="020B0604030504040204" pitchFamily="34" charset="-120"/>
+                <a:ea typeface="Microsoft JhengHei" panose="020B0604030504040204" pitchFamily="34" charset="-120"/>
+              </a:rPr>
+              <a:t>聽我禱告</a:t>
             </a:r>
           </a:p>
           <a:p>
@@ -4974,95 +5503,87 @@
               <a:buNone/>
             </a:pPr>
             <a:r>
-              <a:rPr lang="zh-CN" altLang="zh-TW" sz="5400" b="1" dirty="0">
-                <a:solidFill>
-                  <a:srgbClr val="002060"/>
-                </a:solidFill>
-                <a:latin typeface="Microsoft JhengHei" panose="020B0604030504040204" pitchFamily="34" charset="-120"/>
-                <a:ea typeface="Microsoft JhengHei" panose="020B0604030504040204" pitchFamily="34" charset="-120"/>
-              </a:rPr>
-              <a:t>比生命更寶</a:t>
-            </a:r>
-          </a:p>
-          <a:p>
-            <a:pPr marL="0" indent="0" algn="ctr">
-              <a:buNone/>
-            </a:pPr>
-            <a:r>
-              <a:rPr lang="zh-CN" altLang="zh-TW" sz="5400" b="1" dirty="0">
-                <a:solidFill>
-                  <a:srgbClr val="002060"/>
-                </a:solidFill>
-                <a:latin typeface="Microsoft JhengHei" panose="020B0604030504040204" pitchFamily="34" charset="-120"/>
-                <a:ea typeface="Microsoft JhengHei" panose="020B0604030504040204" pitchFamily="34" charset="-120"/>
-              </a:rPr>
-              <a:t>天上地下除主以外</a:t>
-            </a:r>
-          </a:p>
-          <a:p>
-            <a:pPr marL="0" indent="0" algn="ctr">
-              <a:buNone/>
-            </a:pPr>
-            <a:r>
-              <a:rPr lang="zh-CN" altLang="zh-TW" sz="5400" b="1" dirty="0">
-                <a:solidFill>
-                  <a:srgbClr val="002060"/>
-                </a:solidFill>
-                <a:latin typeface="Microsoft JhengHei" panose="020B0604030504040204" pitchFamily="34" charset="-120"/>
-                <a:ea typeface="Microsoft JhengHei" panose="020B0604030504040204" pitchFamily="34" charset="-120"/>
-              </a:rPr>
-              <a:t>無救主可靠</a:t>
-            </a:r>
-          </a:p>
-        </p:txBody>
-      </p:sp>
-      <p:sp>
-        <p:nvSpPr>
-          <p:cNvPr id="6" name="Text Box 1"/>
-          <p:cNvSpPr txBox="1"/>
-          <p:nvPr/>
-        </p:nvSpPr>
-        <p:spPr>
-          <a:xfrm>
-            <a:off x="1343472" y="1700808"/>
-            <a:ext cx="1380490" cy="830997"/>
-          </a:xfrm>
-          <a:prstGeom prst="rect">
-            <a:avLst/>
-          </a:prstGeom>
-          <a:noFill/>
-          <a:ln w="9525">
-            <a:noFill/>
-            <a:miter lim="800000"/>
-          </a:ln>
-        </p:spPr>
-        <p:txBody>
-          <a:bodyPr wrap="square">
-            <a:spAutoFit/>
-          </a:bodyPr>
-          <a:lstStyle/>
-          <a:p>
-            <a:pPr algn="ctr"/>
-            <a:r>
-              <a:rPr lang="en-US" sz="4800" b="1" dirty="0">
-                <a:solidFill>
-                  <a:srgbClr val="002060"/>
-                </a:solidFill>
-              </a:rPr>
-              <a:t>4</a:t>
-            </a:r>
-            <a:r>
-              <a:rPr lang="en-US" sz="4800" b="1" dirty="0" smtClean="0">
-                <a:solidFill>
-                  <a:srgbClr val="002060"/>
-                </a:solidFill>
-              </a:rPr>
-              <a:t>.</a:t>
-            </a:r>
-            <a:endParaRPr lang="en-US" sz="4800" b="1" dirty="0">
+              <a:rPr lang="zh-CN" altLang="zh-TW" sz="6600" b="1" dirty="0">
+                <a:solidFill>
+                  <a:srgbClr val="000066"/>
+                </a:solidFill>
+                <a:latin typeface="Microsoft JhengHei" panose="020B0604030504040204" pitchFamily="34" charset="-120"/>
+                <a:ea typeface="Microsoft JhengHei" panose="020B0604030504040204" pitchFamily="34" charset="-120"/>
+              </a:rPr>
+              <a:t>既有別人</a:t>
+            </a:r>
+            <a:r>
+              <a:rPr lang="zh-CN" altLang="zh-TW" sz="6600" b="1" dirty="0">
+                <a:solidFill>
+                  <a:srgbClr val="000066"/>
+                </a:solidFill>
+                <a:latin typeface="Microsoft JhengHei" panose="020B0604030504040204" pitchFamily="34" charset="-120"/>
+                <a:ea typeface="Microsoft JhengHei" panose="020B0604030504040204" pitchFamily="34" charset="-120"/>
+                <a:sym typeface="+mn-ea"/>
+              </a:rPr>
+              <a:t>蒙主應</a:t>
+            </a:r>
+            <a:r>
+              <a:rPr lang="zh-CN" altLang="zh-TW" sz="6600" b="1" dirty="0">
+                <a:solidFill>
+                  <a:srgbClr val="000066"/>
+                </a:solidFill>
+                <a:latin typeface="Microsoft JhengHei" panose="020B0604030504040204" pitchFamily="34" charset="-120"/>
+                <a:ea typeface="Microsoft JhengHei" panose="020B0604030504040204" pitchFamily="34" charset="-120"/>
+                <a:sym typeface="+mn-ea"/>
+              </a:rPr>
+              <a:t>允</a:t>
+            </a:r>
+            <a:r>
+              <a:rPr lang="en-US" altLang="zh-CN" sz="6600" b="1" dirty="0">
+                <a:solidFill>
+                  <a:srgbClr val="000066"/>
+                </a:solidFill>
+                <a:latin typeface="Microsoft JhengHei" panose="020B0604030504040204" pitchFamily="34" charset="-120"/>
+                <a:ea typeface="Microsoft JhengHei" panose="020B0604030504040204" pitchFamily="34" charset="-120"/>
+                <a:sym typeface="+mn-ea"/>
+              </a:rPr>
+              <a:t> </a:t>
+            </a:r>
+            <a:r>
+              <a:rPr lang="en-US" altLang="zh-CN" sz="6600" b="1" dirty="0" smtClean="0">
+                <a:solidFill>
+                  <a:srgbClr val="000066"/>
+                </a:solidFill>
+                <a:latin typeface="Microsoft JhengHei" panose="020B0604030504040204" pitchFamily="34" charset="-120"/>
+                <a:ea typeface="Microsoft JhengHei" panose="020B0604030504040204" pitchFamily="34" charset="-120"/>
+                <a:sym typeface="+mn-ea"/>
+              </a:rPr>
+              <a:t>  </a:t>
+            </a:r>
+            <a:r>
+              <a:rPr lang="zh-CN" altLang="zh-TW" sz="6600" b="1" dirty="0">
+                <a:solidFill>
+                  <a:srgbClr val="000066"/>
+                </a:solidFill>
+                <a:latin typeface="Microsoft JhengHei" panose="020B0604030504040204" pitchFamily="34" charset="-120"/>
+                <a:ea typeface="Microsoft JhengHei" panose="020B0604030504040204" pitchFamily="34" charset="-120"/>
+                <a:sym typeface="+mn-ea"/>
+              </a:rPr>
+              <a:t>使</a:t>
+            </a:r>
+            <a:r>
+              <a:rPr lang="zh-CN" altLang="zh-TW" sz="6600" b="1" dirty="0">
+                <a:solidFill>
+                  <a:srgbClr val="000066"/>
+                </a:solidFill>
+                <a:latin typeface="Microsoft JhengHei" panose="020B0604030504040204" pitchFamily="34" charset="-120"/>
+                <a:ea typeface="Microsoft JhengHei" panose="020B0604030504040204" pitchFamily="34" charset="-120"/>
+                <a:sym typeface="+mn-ea"/>
+              </a:rPr>
+              <a:t>我亦沾恩</a:t>
+            </a:r>
+            <a:endParaRPr lang="zh-CN" altLang="zh-TW" sz="6600" b="1" dirty="0">
               <a:solidFill>
-                <a:srgbClr val="002060"/>
+                <a:srgbClr val="000066"/>
               </a:solidFill>
+              <a:latin typeface="Microsoft JhengHei" panose="020B0604030504040204" pitchFamily="34" charset="-120"/>
+              <a:ea typeface="Microsoft JhengHei" panose="020B0604030504040204" pitchFamily="34" charset="-120"/>
             </a:endParaRPr>
           </a:p>
         </p:txBody>
@@ -5070,13 +5591,20 @@
     </p:spTree>
     <p:extLst>
       <p:ext uri="{BB962C8B-B14F-4D97-AF65-F5344CB8AC3E}">
-        <p14:creationId xmlns:p14="http://schemas.microsoft.com/office/powerpoint/2010/main" val="374244232"/>
+        <p14:creationId xmlns:p14="http://schemas.microsoft.com/office/powerpoint/2010/main" val="1135377335"/>
       </p:ext>
     </p:extLst>
   </p:cSld>
   <p:clrMapOvr>
     <a:masterClrMapping/>
   </p:clrMapOvr>
+  <p:timing>
+    <p:tnLst>
+      <p:par>
+        <p:cTn id="1" dur="indefinite" restart="never" nodeType="tmRoot"/>
+      </p:par>
+    </p:tnLst>
+  </p:timing>
 </p:sld>
 </file>
 
@@ -5099,83 +5627,38 @@
       </p:grpSpPr>
       <p:sp>
         <p:nvSpPr>
-          <p:cNvPr id="4" name="Title 3"/>
-          <p:cNvSpPr>
-            <a:spLocks noGrp="1"/>
-          </p:cNvSpPr>
-          <p:nvPr>
-            <p:ph type="title"/>
-          </p:nvPr>
-        </p:nvSpPr>
-        <p:spPr/>
-        <p:txBody>
-          <a:bodyPr>
+          <p:cNvPr id="5" name="內容版面配置區 4"/>
+          <p:cNvSpPr>
+            <a:spLocks noGrp="1"/>
+          </p:cNvSpPr>
+          <p:nvPr>
+            <p:ph idx="1"/>
+          </p:nvPr>
+        </p:nvSpPr>
+        <p:spPr>
+          <a:xfrm>
+            <a:off x="0" y="2084851"/>
+            <a:ext cx="12192000" cy="2404863"/>
+          </a:xfrm>
+        </p:spPr>
+        <p:txBody>
+          <a:bodyPr anchor="ctr">
             <a:normAutofit/>
           </a:bodyPr>
           <a:lstStyle/>
           <a:p>
-            <a:r>
-              <a:rPr lang="en-US" altLang="zh-TW" sz="4800" b="1" dirty="0">
-                <a:solidFill>
-                  <a:srgbClr val="002060"/>
-                </a:solidFill>
-                <a:latin typeface="Microsoft JhengHei" panose="020B0604030504040204" pitchFamily="34" charset="-120"/>
-                <a:ea typeface="Microsoft JhengHei" panose="020B0604030504040204" pitchFamily="34" charset="-120"/>
-              </a:rPr>
-              <a:t>【</a:t>
-            </a:r>
-            <a:r>
-              <a:rPr lang="zh-TW" altLang="en-US" sz="4800" b="1" dirty="0">
-                <a:solidFill>
-                  <a:srgbClr val="002060"/>
-                </a:solidFill>
-                <a:latin typeface="Microsoft JhengHei" panose="020B0604030504040204" pitchFamily="34" charset="-120"/>
-                <a:ea typeface="Microsoft JhengHei" panose="020B0604030504040204" pitchFamily="34" charset="-120"/>
-              </a:rPr>
-              <a:t>懇求救主格外垂憐</a:t>
-            </a:r>
-            <a:r>
-              <a:rPr lang="en-US" altLang="zh-TW" sz="4800" b="1" dirty="0">
-                <a:solidFill>
-                  <a:srgbClr val="002060"/>
-                </a:solidFill>
-                <a:latin typeface="Microsoft JhengHei" panose="020B0604030504040204" pitchFamily="34" charset="-120"/>
-                <a:ea typeface="Microsoft JhengHei" panose="020B0604030504040204" pitchFamily="34" charset="-120"/>
-              </a:rPr>
-              <a:t>】</a:t>
-            </a:r>
-          </a:p>
-        </p:txBody>
-      </p:sp>
-      <p:sp>
-        <p:nvSpPr>
-          <p:cNvPr id="5" name="Content Placeholder 4"/>
-          <p:cNvSpPr>
-            <a:spLocks noGrp="1"/>
-          </p:cNvSpPr>
-          <p:nvPr>
-            <p:ph idx="1"/>
-          </p:nvPr>
-        </p:nvSpPr>
-        <p:spPr/>
-        <p:txBody>
-          <a:bodyPr>
-            <a:normAutofit/>
-          </a:bodyPr>
-          <a:lstStyle/>
-          <a:p>
             <a:pPr marL="0" indent="0" algn="ctr">
               <a:buNone/>
             </a:pPr>
             <a:r>
-              <a:rPr lang="zh-CN" altLang="zh-TW" sz="5400" b="1" dirty="0">
-                <a:solidFill>
-                  <a:srgbClr val="002060"/>
-                </a:solidFill>
-                <a:latin typeface="Microsoft JhengHei" panose="020B0604030504040204" pitchFamily="34" charset="-120"/>
-                <a:ea typeface="Microsoft JhengHei" panose="020B0604030504040204" pitchFamily="34" charset="-120"/>
-              </a:rPr>
-              <a:t>親愛救主</a:t>
+              <a:rPr lang="zh-CN" altLang="zh-TW" sz="6600" b="1" dirty="0">
+                <a:solidFill>
+                  <a:srgbClr val="000066"/>
+                </a:solidFill>
+                <a:latin typeface="Microsoft JhengHei" panose="020B0604030504040204" pitchFamily="34" charset="-120"/>
+                <a:ea typeface="Microsoft JhengHei" panose="020B0604030504040204" pitchFamily="34" charset="-120"/>
+              </a:rPr>
+              <a:t>今只靠託我主功勞</a:t>
             </a:r>
           </a:p>
           <a:p>
@@ -5183,70 +5666,76 @@
               <a:buNone/>
             </a:pPr>
             <a:r>
-              <a:rPr lang="zh-CN" altLang="zh-TW" sz="5400" b="1" dirty="0">
-                <a:solidFill>
-                  <a:srgbClr val="002060"/>
-                </a:solidFill>
-                <a:latin typeface="Microsoft JhengHei" panose="020B0604030504040204" pitchFamily="34" charset="-120"/>
-                <a:ea typeface="Microsoft JhengHei" panose="020B0604030504040204" pitchFamily="34" charset="-120"/>
-              </a:rPr>
-              <a:t>請聽我禱告</a:t>
-            </a:r>
-          </a:p>
-          <a:p>
-            <a:pPr marL="0" indent="0" algn="ctr">
-              <a:buNone/>
-            </a:pPr>
-            <a:r>
-              <a:rPr lang="zh-CN" altLang="zh-TW" sz="5400" b="1" dirty="0">
-                <a:solidFill>
-                  <a:srgbClr val="002060"/>
-                </a:solidFill>
-                <a:latin typeface="Microsoft JhengHei" panose="020B0604030504040204" pitchFamily="34" charset="-120"/>
-                <a:ea typeface="Microsoft JhengHei" panose="020B0604030504040204" pitchFamily="34" charset="-120"/>
-              </a:rPr>
-              <a:t>既有別人</a:t>
-            </a:r>
-            <a:r>
-              <a:rPr lang="zh-CN" altLang="zh-TW" sz="5400" b="1" dirty="0">
-                <a:solidFill>
-                  <a:srgbClr val="002060"/>
-                </a:solidFill>
-                <a:latin typeface="Microsoft JhengHei" panose="020B0604030504040204" pitchFamily="34" charset="-120"/>
-                <a:ea typeface="Microsoft JhengHei" panose="020B0604030504040204" pitchFamily="34" charset="-120"/>
-                <a:sym typeface="+mn-ea"/>
-              </a:rPr>
-              <a:t>蒙主應允</a:t>
-            </a:r>
-            <a:endParaRPr lang="zh-CN" altLang="zh-TW" sz="5400" b="1" dirty="0">
+              <a:rPr lang="zh-CN" altLang="zh-TW" sz="6600" b="1" dirty="0">
+                <a:solidFill>
+                  <a:srgbClr val="000066"/>
+                </a:solidFill>
+                <a:latin typeface="Microsoft JhengHei" panose="020B0604030504040204" pitchFamily="34" charset="-120"/>
+                <a:ea typeface="Microsoft JhengHei" panose="020B0604030504040204" pitchFamily="34" charset="-120"/>
+              </a:rPr>
+              <a:t>纔敢尋主面</a:t>
+            </a:r>
+            <a:endParaRPr lang="zh-CN" altLang="zh-TW" sz="6600" b="1" dirty="0">
               <a:solidFill>
-                <a:srgbClr val="002060"/>
+                <a:srgbClr val="000066"/>
               </a:solidFill>
               <a:latin typeface="Microsoft JhengHei" panose="020B0604030504040204" pitchFamily="34" charset="-120"/>
               <a:ea typeface="Microsoft JhengHei" panose="020B0604030504040204" pitchFamily="34" charset="-120"/>
             </a:endParaRPr>
           </a:p>
-          <a:p>
-            <a:pPr marL="0" indent="0" algn="ctr">
-              <a:buNone/>
-            </a:pPr>
-            <a:r>
-              <a:rPr lang="zh-CN" altLang="zh-TW" sz="5400" b="1" dirty="0">
-                <a:solidFill>
-                  <a:srgbClr val="002060"/>
-                </a:solidFill>
-                <a:latin typeface="Microsoft JhengHei" panose="020B0604030504040204" pitchFamily="34" charset="-120"/>
-                <a:ea typeface="Microsoft JhengHei" panose="020B0604030504040204" pitchFamily="34" charset="-120"/>
-                <a:sym typeface="+mn-ea"/>
-              </a:rPr>
-              <a:t>使我亦沾恩</a:t>
-            </a:r>
-            <a:endParaRPr lang="zh-CN" altLang="zh-TW" sz="5400" b="1" dirty="0">
+        </p:txBody>
+      </p:sp>
+      <p:sp>
+        <p:nvSpPr>
+          <p:cNvPr id="3" name="TextBox 2"/>
+          <p:cNvSpPr txBox="1"/>
+          <p:nvPr/>
+        </p:nvSpPr>
+        <p:spPr>
+          <a:xfrm>
+            <a:off x="0" y="5061182"/>
+            <a:ext cx="12192000" cy="830997"/>
+          </a:xfrm>
+          <a:prstGeom prst="rect">
+            <a:avLst/>
+          </a:prstGeom>
+          <a:noFill/>
+        </p:spPr>
+        <p:txBody>
+          <a:bodyPr wrap="square" rtlCol="0">
+            <a:spAutoFit/>
+          </a:bodyPr>
+          <a:lstStyle/>
+          <a:p>
+            <a:pPr algn="ctr"/>
+            <a:r>
+              <a:rPr lang="en-US" sz="4800" b="1" dirty="0">
+                <a:solidFill>
+                  <a:srgbClr val="000066"/>
+                </a:solidFill>
+              </a:rPr>
+              <a:t>( </a:t>
+            </a:r>
+            <a:r>
+              <a:rPr lang="en-US" sz="4800" b="1" dirty="0" smtClean="0">
+                <a:solidFill>
+                  <a:srgbClr val="000066"/>
+                </a:solidFill>
+              </a:rPr>
+              <a:t>3 </a:t>
+            </a:r>
+            <a:r>
+              <a:rPr lang="en-US" sz="4800" b="1" dirty="0">
+                <a:solidFill>
+                  <a:srgbClr val="000066"/>
+                </a:solidFill>
+              </a:rPr>
+              <a:t>)</a:t>
+            </a:r>
+            <a:endParaRPr lang="vi-VN" sz="4800" b="1" dirty="0">
               <a:solidFill>
-                <a:srgbClr val="002060"/>
+                <a:srgbClr val="000066"/>
               </a:solidFill>
-              <a:latin typeface="Microsoft JhengHei" panose="020B0604030504040204" pitchFamily="34" charset="-120"/>
-              <a:ea typeface="Microsoft JhengHei" panose="020B0604030504040204" pitchFamily="34" charset="-120"/>
             </a:endParaRPr>
           </a:p>
         </p:txBody>
@@ -5254,13 +5743,172 @@
     </p:spTree>
     <p:extLst>
       <p:ext uri="{BB962C8B-B14F-4D97-AF65-F5344CB8AC3E}">
-        <p14:creationId xmlns:p14="http://schemas.microsoft.com/office/powerpoint/2010/main" val="4180513216"/>
+        <p14:creationId xmlns:p14="http://schemas.microsoft.com/office/powerpoint/2010/main" val="2966426960"/>
       </p:ext>
     </p:extLst>
   </p:cSld>
   <p:clrMapOvr>
     <a:masterClrMapping/>
   </p:clrMapOvr>
+  <p:timing>
+    <p:tnLst>
+      <p:par>
+        <p:cTn id="1" dur="indefinite" restart="never" nodeType="tmRoot"/>
+      </p:par>
+    </p:tnLst>
+  </p:timing>
+</p:sld>
+</file>
+
+<file path=ppt/slides/slide9.xml><?xml version="1.0" encoding="utf-8"?>
+<p:sld xmlns:a="http://schemas.openxmlformats.org/drawingml/2006/main" xmlns:r="http://schemas.openxmlformats.org/officeDocument/2006/relationships" xmlns:p="http://schemas.openxmlformats.org/presentationml/2006/main">
+  <p:cSld>
+    <p:spTree>
+      <p:nvGrpSpPr>
+        <p:cNvPr id="1" name=""/>
+        <p:cNvGrpSpPr/>
+        <p:nvPr/>
+      </p:nvGrpSpPr>
+      <p:grpSpPr>
+        <a:xfrm>
+          <a:off x="0" y="0"/>
+          <a:ext cx="0" cy="0"/>
+          <a:chOff x="0" y="0"/>
+          <a:chExt cx="0" cy="0"/>
+        </a:xfrm>
+      </p:grpSpPr>
+      <p:sp>
+        <p:nvSpPr>
+          <p:cNvPr id="5" name="內容版面配置區 4"/>
+          <p:cNvSpPr>
+            <a:spLocks noGrp="1"/>
+          </p:cNvSpPr>
+          <p:nvPr>
+            <p:ph idx="1"/>
+          </p:nvPr>
+        </p:nvSpPr>
+        <p:spPr>
+          <a:xfrm>
+            <a:off x="0" y="2084851"/>
+            <a:ext cx="12192000" cy="2404863"/>
+          </a:xfrm>
+        </p:spPr>
+        <p:txBody>
+          <a:bodyPr anchor="ctr">
+            <a:normAutofit/>
+          </a:bodyPr>
+          <a:lstStyle/>
+          <a:p>
+            <a:pPr marL="0" indent="0" algn="ctr">
+              <a:buNone/>
+            </a:pPr>
+            <a:r>
+              <a:rPr lang="zh-CN" altLang="zh-TW" sz="6600" b="1" dirty="0">
+                <a:solidFill>
+                  <a:srgbClr val="000066"/>
+                </a:solidFill>
+                <a:latin typeface="Microsoft JhengHei" panose="020B0604030504040204" pitchFamily="34" charset="-120"/>
+                <a:ea typeface="Microsoft JhengHei" panose="020B0604030504040204" pitchFamily="34" charset="-120"/>
+              </a:rPr>
+              <a:t>心中悲傷求主醫治</a:t>
+            </a:r>
+          </a:p>
+          <a:p>
+            <a:pPr marL="0" indent="0" algn="ctr">
+              <a:buNone/>
+            </a:pPr>
+            <a:r>
+              <a:rPr lang="zh-CN" altLang="zh-TW" sz="6600" b="1" dirty="0">
+                <a:solidFill>
+                  <a:srgbClr val="000066"/>
+                </a:solidFill>
+                <a:latin typeface="Microsoft JhengHei" panose="020B0604030504040204" pitchFamily="34" charset="-120"/>
+                <a:ea typeface="Microsoft JhengHei" panose="020B0604030504040204" pitchFamily="34" charset="-120"/>
+              </a:rPr>
+              <a:t>顯出大恩典</a:t>
+            </a:r>
+            <a:endParaRPr lang="zh-CN" altLang="zh-TW" sz="6600" b="1" dirty="0">
+              <a:solidFill>
+                <a:srgbClr val="000066"/>
+              </a:solidFill>
+              <a:latin typeface="Microsoft JhengHei" panose="020B0604030504040204" pitchFamily="34" charset="-120"/>
+              <a:ea typeface="Microsoft JhengHei" panose="020B0604030504040204" pitchFamily="34" charset="-120"/>
+            </a:endParaRPr>
+          </a:p>
+        </p:txBody>
+      </p:sp>
+      <p:sp>
+        <p:nvSpPr>
+          <p:cNvPr id="3" name="TextBox 2"/>
+          <p:cNvSpPr txBox="1"/>
+          <p:nvPr/>
+        </p:nvSpPr>
+        <p:spPr>
+          <a:xfrm>
+            <a:off x="0" y="5061182"/>
+            <a:ext cx="12192000" cy="830997"/>
+          </a:xfrm>
+          <a:prstGeom prst="rect">
+            <a:avLst/>
+          </a:prstGeom>
+          <a:noFill/>
+        </p:spPr>
+        <p:txBody>
+          <a:bodyPr wrap="square" rtlCol="0">
+            <a:spAutoFit/>
+          </a:bodyPr>
+          <a:lstStyle/>
+          <a:p>
+            <a:pPr algn="ctr"/>
+            <a:r>
+              <a:rPr lang="en-US" sz="4800" b="1" dirty="0">
+                <a:solidFill>
+                  <a:srgbClr val="000066"/>
+                </a:solidFill>
+              </a:rPr>
+              <a:t>( </a:t>
+            </a:r>
+            <a:r>
+              <a:rPr lang="en-US" sz="4800" b="1" dirty="0" smtClean="0">
+                <a:solidFill>
+                  <a:srgbClr val="000066"/>
+                </a:solidFill>
+              </a:rPr>
+              <a:t>3 </a:t>
+            </a:r>
+            <a:r>
+              <a:rPr lang="en-US" sz="4800" b="1" dirty="0">
+                <a:solidFill>
+                  <a:srgbClr val="000066"/>
+                </a:solidFill>
+              </a:rPr>
+              <a:t>)</a:t>
+            </a:r>
+            <a:endParaRPr lang="vi-VN" sz="4800" b="1" dirty="0">
+              <a:solidFill>
+                <a:srgbClr val="000066"/>
+              </a:solidFill>
+            </a:endParaRPr>
+          </a:p>
+        </p:txBody>
+      </p:sp>
+    </p:spTree>
+    <p:extLst>
+      <p:ext uri="{BB962C8B-B14F-4D97-AF65-F5344CB8AC3E}">
+        <p14:creationId xmlns:p14="http://schemas.microsoft.com/office/powerpoint/2010/main" val="3115837174"/>
+      </p:ext>
+    </p:extLst>
+  </p:cSld>
+  <p:clrMapOvr>
+    <a:masterClrMapping/>
+  </p:clrMapOvr>
+  <p:timing>
+    <p:tnLst>
+      <p:par>
+        <p:cTn id="1" dur="indefinite" restart="never" nodeType="tmRoot"/>
+      </p:par>
+    </p:tnLst>
+  </p:timing>
 </p:sld>
 </file>
 
